--- a/presentattion.pptx
+++ b/presentattion.pptx
@@ -9,7 +9,13 @@
     <p:sldId id="257" r:id="rId3"/>
     <p:sldId id="258" r:id="rId4"/>
     <p:sldId id="259" r:id="rId5"/>
-    <p:sldId id="260" r:id="rId6"/>
+    <p:sldId id="261" r:id="rId6"/>
+    <p:sldId id="262" r:id="rId7"/>
+    <p:sldId id="263" r:id="rId8"/>
+    <p:sldId id="264" r:id="rId9"/>
+    <p:sldId id="265" r:id="rId10"/>
+    <p:sldId id="266" r:id="rId11"/>
+    <p:sldId id="260" r:id="rId12"/>
   </p:sldIdLst>
   <p:sldSz cx="12192000" cy="6858000"/>
   <p:notesSz cx="6858000" cy="9144000"/>
@@ -110,7 +116,7 @@
   </p:defaultTextStyle>
   <p:extLst>
     <p:ext uri="{EFAFB233-063F-42B5-8137-9DF3F51BA10A}">
-      <p15:sldGuideLst xmlns:p15="http://schemas.microsoft.com/office/powerpoint/2012/main"/>
+      <p15:sldGuideLst xmlns:p15="http://schemas.microsoft.com/office/powerpoint/2012/main" xmlns=""/>
     </p:ext>
   </p:extLst>
 </p:presentation>
@@ -839,7 +845,7 @@
             <a:fld id="{B61BEF0D-F0BB-DE4B-95CE-6DB70DBA9567}" type="datetimeFigureOut">
               <a:rPr lang="en-US" dirty="0"/>
               <a:pPr/>
-              <a:t>1/18/2017</a:t>
+              <a:t>08.02.17</a:t>
             </a:fld>
             <a:endParaRPr lang="en-US" dirty="0"/>
           </a:p>
@@ -1087,7 +1093,7 @@
             <a:fld id="{B61BEF0D-F0BB-DE4B-95CE-6DB70DBA9567}" type="datetimeFigureOut">
               <a:rPr lang="en-US" dirty="0"/>
               <a:pPr/>
-              <a:t>1/18/2017</a:t>
+              <a:t>08.02.17</a:t>
             </a:fld>
             <a:endParaRPr lang="en-US" dirty="0"/>
           </a:p>
@@ -1398,7 +1404,7 @@
             <a:fld id="{B61BEF0D-F0BB-DE4B-95CE-6DB70DBA9567}" type="datetimeFigureOut">
               <a:rPr lang="en-US" dirty="0"/>
               <a:pPr/>
-              <a:t>1/18/2017</a:t>
+              <a:t>08.02.17</a:t>
             </a:fld>
             <a:endParaRPr lang="en-US" dirty="0"/>
           </a:p>
@@ -1736,7 +1742,7 @@
             <a:fld id="{B61BEF0D-F0BB-DE4B-95CE-6DB70DBA9567}" type="datetimeFigureOut">
               <a:rPr lang="en-US" dirty="0"/>
               <a:pPr/>
-              <a:t>1/18/2017</a:t>
+              <a:t>08.02.17</a:t>
             </a:fld>
             <a:endParaRPr lang="en-US" dirty="0"/>
           </a:p>
@@ -2047,7 +2053,7 @@
             <a:fld id="{B61BEF0D-F0BB-DE4B-95CE-6DB70DBA9567}" type="datetimeFigureOut">
               <a:rPr lang="en-US" dirty="0"/>
               <a:pPr/>
-              <a:t>1/18/2017</a:t>
+              <a:t>08.02.17</a:t>
             </a:fld>
             <a:endParaRPr lang="en-US" dirty="0"/>
           </a:p>
@@ -2437,7 +2443,7 @@
             <a:fld id="{B61BEF0D-F0BB-DE4B-95CE-6DB70DBA9567}" type="datetimeFigureOut">
               <a:rPr lang="en-US" dirty="0"/>
               <a:pPr/>
-              <a:t>1/18/2017</a:t>
+              <a:t>08.02.17</a:t>
             </a:fld>
             <a:endParaRPr lang="en-US" dirty="0"/>
           </a:p>
@@ -2603,7 +2609,7 @@
           <a:p>
             <a:fld id="{55C6B4A9-1611-4792-9094-5F34BCA07E0B}" type="datetimeFigureOut">
               <a:rPr lang="en-US" dirty="0"/>
-              <a:t>1/18/2017</a:t>
+              <a:t>08.02.17</a:t>
             </a:fld>
             <a:endParaRPr lang="en-US" dirty="0"/>
           </a:p>
@@ -2779,7 +2785,7 @@
             <a:fld id="{B61BEF0D-F0BB-DE4B-95CE-6DB70DBA9567}" type="datetimeFigureOut">
               <a:rPr lang="en-US" dirty="0"/>
               <a:pPr/>
-              <a:t>1/18/2017</a:t>
+              <a:t>08.02.17</a:t>
             </a:fld>
             <a:endParaRPr lang="en-US" dirty="0"/>
           </a:p>
@@ -2952,7 +2958,7 @@
             <a:fld id="{B61BEF0D-F0BB-DE4B-95CE-6DB70DBA9567}" type="datetimeFigureOut">
               <a:rPr lang="en-US" dirty="0"/>
               <a:pPr/>
-              <a:t>1/18/2017</a:t>
+              <a:t>08.02.17</a:t>
             </a:fld>
             <a:endParaRPr lang="en-US" dirty="0"/>
           </a:p>
@@ -3196,7 +3202,7 @@
             <a:fld id="{B61BEF0D-F0BB-DE4B-95CE-6DB70DBA9567}" type="datetimeFigureOut">
               <a:rPr lang="en-US" dirty="0"/>
               <a:pPr/>
-              <a:t>1/18/2017</a:t>
+              <a:t>08.02.17</a:t>
             </a:fld>
             <a:endParaRPr lang="en-US" dirty="0"/>
           </a:p>
@@ -3424,7 +3430,7 @@
           <a:p>
             <a:fld id="{EB712588-04B1-427B-82EE-E8DB90309F08}" type="datetimeFigureOut">
               <a:rPr lang="en-US" dirty="0"/>
-              <a:t>1/18/2017</a:t>
+              <a:t>08.02.17</a:t>
             </a:fld>
             <a:endParaRPr lang="en-US" dirty="0"/>
           </a:p>
@@ -3794,7 +3800,7 @@
             <a:fld id="{B61BEF0D-F0BB-DE4B-95CE-6DB70DBA9567}" type="datetimeFigureOut">
               <a:rPr lang="en-US" dirty="0"/>
               <a:pPr/>
-              <a:t>1/18/2017</a:t>
+              <a:t>08.02.17</a:t>
             </a:fld>
             <a:endParaRPr lang="en-US" dirty="0"/>
           </a:p>
@@ -3914,7 +3920,7 @@
             <a:fld id="{B61BEF0D-F0BB-DE4B-95CE-6DB70DBA9567}" type="datetimeFigureOut">
               <a:rPr lang="en-US" dirty="0"/>
               <a:pPr/>
-              <a:t>1/18/2017</a:t>
+              <a:t>08.02.17</a:t>
             </a:fld>
             <a:endParaRPr lang="en-US" dirty="0"/>
           </a:p>
@@ -4006,7 +4012,7 @@
             <a:fld id="{B61BEF0D-F0BB-DE4B-95CE-6DB70DBA9567}" type="datetimeFigureOut">
               <a:rPr lang="en-US" dirty="0"/>
               <a:pPr/>
-              <a:t>1/18/2017</a:t>
+              <a:t>08.02.17</a:t>
             </a:fld>
             <a:endParaRPr lang="en-US" dirty="0"/>
           </a:p>
@@ -4257,7 +4263,7 @@
           <a:p>
             <a:fld id="{42A54C80-263E-416B-A8E0-580EDEADCBDC}" type="datetimeFigureOut">
               <a:rPr lang="en-US" dirty="0"/>
-              <a:t>1/18/2017</a:t>
+              <a:t>08.02.17</a:t>
             </a:fld>
             <a:endParaRPr lang="en-US" dirty="0"/>
           </a:p>
@@ -4516,7 +4522,7 @@
             <a:fld id="{B61BEF0D-F0BB-DE4B-95CE-6DB70DBA9567}" type="datetimeFigureOut">
               <a:rPr lang="en-US" dirty="0"/>
               <a:pPr/>
-              <a:t>1/18/2017</a:t>
+              <a:t>08.02.17</a:t>
             </a:fld>
             <a:endParaRPr lang="en-US" dirty="0"/>
           </a:p>
@@ -5256,7 +5262,7 @@
             <a:fld id="{B61BEF0D-F0BB-DE4B-95CE-6DB70DBA9567}" type="datetimeFigureOut">
               <a:rPr lang="en-US" dirty="0"/>
               <a:pPr/>
-              <a:t>1/18/2017</a:t>
+              <a:t>08.02.17</a:t>
             </a:fld>
             <a:endParaRPr lang="en-US" dirty="0"/>
           </a:p>
@@ -5918,6 +5924,352 @@
 </p:sld>
 </file>
 
+<file path=ppt/slides/slide10.xml><?xml version="1.0" encoding="utf-8"?>
+<p:sld xmlns:a="http://schemas.openxmlformats.org/drawingml/2006/main" xmlns:r="http://schemas.openxmlformats.org/officeDocument/2006/relationships" xmlns:p="http://schemas.openxmlformats.org/presentationml/2006/main">
+  <p:cSld>
+    <p:spTree>
+      <p:nvGrpSpPr>
+        <p:cNvPr id="1" name=""/>
+        <p:cNvGrpSpPr/>
+        <p:nvPr/>
+      </p:nvGrpSpPr>
+      <p:grpSpPr>
+        <a:xfrm>
+          <a:off x="0" y="0"/>
+          <a:ext cx="0" cy="0"/>
+          <a:chOff x="0" y="0"/>
+          <a:chExt cx="0" cy="0"/>
+        </a:xfrm>
+      </p:grpSpPr>
+      <p:sp>
+        <p:nvSpPr>
+          <p:cNvPr id="2" name="Titel 1"/>
+          <p:cNvSpPr>
+            <a:spLocks noGrp="1"/>
+          </p:cNvSpPr>
+          <p:nvPr>
+            <p:ph type="title"/>
+          </p:nvPr>
+        </p:nvSpPr>
+        <p:spPr/>
+        <p:txBody>
+          <a:bodyPr/>
+          <a:lstStyle/>
+          <a:p>
+            <a:r>
+              <a:rPr lang="de-DE" dirty="0" err="1" smtClean="0">
+                <a:solidFill>
+                  <a:srgbClr val="595959"/>
+                </a:solidFill>
+              </a:rPr>
+              <a:t>Conjugate</a:t>
+            </a:r>
+            <a:r>
+              <a:rPr lang="de-DE" dirty="0" smtClean="0">
+                <a:solidFill>
+                  <a:srgbClr val="595959"/>
+                </a:solidFill>
+              </a:rPr>
+              <a:t> Gradient </a:t>
+            </a:r>
+            <a:r>
+              <a:rPr lang="de-DE" dirty="0" err="1" smtClean="0">
+                <a:solidFill>
+                  <a:srgbClr val="595959"/>
+                </a:solidFill>
+              </a:rPr>
+              <a:t>Method</a:t>
+            </a:r>
+            <a:endParaRPr lang="de-DE" dirty="0">
+              <a:solidFill>
+                <a:srgbClr val="595959"/>
+              </a:solidFill>
+            </a:endParaRPr>
+          </a:p>
+        </p:txBody>
+      </p:sp>
+      <p:sp>
+        <p:nvSpPr>
+          <p:cNvPr id="3" name="Inhaltsplatzhalter 2"/>
+          <p:cNvSpPr>
+            <a:spLocks noGrp="1"/>
+          </p:cNvSpPr>
+          <p:nvPr>
+            <p:ph idx="1"/>
+          </p:nvPr>
+        </p:nvSpPr>
+        <p:spPr/>
+        <p:txBody>
+          <a:bodyPr/>
+          <a:lstStyle/>
+          <a:p>
+            <a:r>
+              <a:rPr lang="de-DE" dirty="0" err="1" smtClean="0"/>
+              <a:t>Consider</a:t>
+            </a:r>
+            <a:r>
+              <a:rPr lang="de-DE" dirty="0" smtClean="0"/>
+              <a:t> :</a:t>
+            </a:r>
+          </a:p>
+          <a:p>
+            <a:r>
+              <a:rPr lang="de-DE" i="1" dirty="0" smtClean="0"/>
+              <a:t>F(x) = 0.5*</a:t>
+            </a:r>
+            <a:r>
+              <a:rPr lang="de-DE" i="1" dirty="0" err="1" smtClean="0"/>
+              <a:t>x</a:t>
+            </a:r>
+            <a:r>
+              <a:rPr lang="de-DE" i="1" baseline="30000" dirty="0" err="1" smtClean="0"/>
+              <a:t>T</a:t>
+            </a:r>
+            <a:r>
+              <a:rPr lang="de-DE" i="1" dirty="0" err="1" smtClean="0"/>
+              <a:t>A</a:t>
+            </a:r>
+            <a:r>
+              <a:rPr lang="de-DE" i="1" dirty="0" smtClean="0"/>
+              <a:t>*x – </a:t>
+            </a:r>
+            <a:r>
+              <a:rPr lang="de-DE" i="1" dirty="0" err="1" smtClean="0"/>
+              <a:t>b</a:t>
+            </a:r>
+            <a:r>
+              <a:rPr lang="de-DE" i="1" baseline="30000" dirty="0" err="1" smtClean="0"/>
+              <a:t>T</a:t>
+            </a:r>
+            <a:r>
+              <a:rPr lang="de-DE" i="1" dirty="0" smtClean="0"/>
+              <a:t>*x + c </a:t>
+            </a:r>
+          </a:p>
+          <a:p>
+            <a:r>
+              <a:rPr lang="de-DE" dirty="0" err="1" smtClean="0"/>
+              <a:t>Minimizing</a:t>
+            </a:r>
+            <a:r>
+              <a:rPr lang="de-DE" dirty="0" smtClean="0"/>
+              <a:t> F(x) </a:t>
+            </a:r>
+            <a:r>
+              <a:rPr lang="de-DE" dirty="0" err="1" smtClean="0"/>
+              <a:t>gives</a:t>
+            </a:r>
+            <a:r>
+              <a:rPr lang="de-DE" dirty="0" smtClean="0"/>
+              <a:t>:</a:t>
+            </a:r>
+          </a:p>
+          <a:p>
+            <a:r>
+              <a:rPr lang="de-DE" dirty="0" smtClean="0"/>
+              <a:t>0 = </a:t>
+            </a:r>
+            <a:r>
+              <a:rPr lang="de-DE" i="1" dirty="0" err="1" smtClean="0"/>
+              <a:t>dy</a:t>
+            </a:r>
+            <a:r>
+              <a:rPr lang="de-DE" i="1" dirty="0" smtClean="0"/>
+              <a:t>/dx F(x) = A*x – b</a:t>
+            </a:r>
+          </a:p>
+          <a:p>
+            <a:r>
+              <a:rPr lang="de-DE" i="1" dirty="0" smtClean="0"/>
+              <a:t>A*x = b </a:t>
+            </a:r>
+            <a:r>
+              <a:rPr lang="de-DE" dirty="0" err="1" smtClean="0"/>
+              <a:t>is</a:t>
+            </a:r>
+            <a:r>
+              <a:rPr lang="de-DE" dirty="0" smtClean="0"/>
+              <a:t> a linear </a:t>
+            </a:r>
+            <a:r>
+              <a:rPr lang="de-DE" dirty="0" err="1" smtClean="0"/>
+              <a:t>system</a:t>
+            </a:r>
+            <a:r>
+              <a:rPr lang="de-DE" dirty="0" smtClean="0"/>
+              <a:t> </a:t>
+            </a:r>
+            <a:r>
+              <a:rPr lang="de-DE" dirty="0" err="1" smtClean="0"/>
+              <a:t>of</a:t>
+            </a:r>
+            <a:r>
+              <a:rPr lang="de-DE" dirty="0" smtClean="0"/>
+              <a:t> </a:t>
+            </a:r>
+            <a:r>
+              <a:rPr lang="de-DE" dirty="0" err="1" smtClean="0"/>
+              <a:t>equation</a:t>
+            </a:r>
+            <a:r>
+              <a:rPr lang="de-DE" dirty="0" smtClean="0"/>
+              <a:t>.</a:t>
+            </a:r>
+            <a:endParaRPr lang="de-DE" i="1" dirty="0" smtClean="0"/>
+          </a:p>
+          <a:p>
+            <a:endParaRPr lang="de-DE" dirty="0"/>
+          </a:p>
+        </p:txBody>
+      </p:sp>
+    </p:spTree>
+    <p:extLst>
+      <p:ext uri="{BB962C8B-B14F-4D97-AF65-F5344CB8AC3E}">
+        <p14:creationId xmlns:p14="http://schemas.microsoft.com/office/powerpoint/2010/main" val="1636610261"/>
+      </p:ext>
+    </p:extLst>
+  </p:cSld>
+  <p:clrMapOvr>
+    <a:masterClrMapping/>
+  </p:clrMapOvr>
+</p:sld>
+</file>
+
+<file path=ppt/slides/slide11.xml><?xml version="1.0" encoding="utf-8"?>
+<p:sld xmlns:a="http://schemas.openxmlformats.org/drawingml/2006/main" xmlns:r="http://schemas.openxmlformats.org/officeDocument/2006/relationships" xmlns:p="http://schemas.openxmlformats.org/presentationml/2006/main">
+  <p:cSld>
+    <p:spTree>
+      <p:nvGrpSpPr>
+        <p:cNvPr id="1" name=""/>
+        <p:cNvGrpSpPr/>
+        <p:nvPr/>
+      </p:nvGrpSpPr>
+      <p:grpSpPr>
+        <a:xfrm>
+          <a:off x="0" y="0"/>
+          <a:ext cx="0" cy="0"/>
+          <a:chOff x="0" y="0"/>
+          <a:chExt cx="0" cy="0"/>
+        </a:xfrm>
+      </p:grpSpPr>
+      <p:sp>
+        <p:nvSpPr>
+          <p:cNvPr id="2" name="Titel 1"/>
+          <p:cNvSpPr>
+            <a:spLocks noGrp="1"/>
+          </p:cNvSpPr>
+          <p:nvPr>
+            <p:ph type="title"/>
+          </p:nvPr>
+        </p:nvSpPr>
+        <p:spPr/>
+        <p:txBody>
+          <a:bodyPr/>
+          <a:lstStyle/>
+          <a:p>
+            <a:r>
+              <a:rPr lang="de-DE" dirty="0" smtClean="0">
+                <a:solidFill>
+                  <a:schemeClr val="tx1">
+                    <a:lumMod val="65000"/>
+                    <a:lumOff val="35000"/>
+                  </a:schemeClr>
+                </a:solidFill>
+              </a:rPr>
+              <a:t>References</a:t>
+            </a:r>
+            <a:endParaRPr lang="de-DE" dirty="0">
+              <a:solidFill>
+                <a:schemeClr val="tx1">
+                  <a:lumMod val="65000"/>
+                  <a:lumOff val="35000"/>
+                </a:schemeClr>
+              </a:solidFill>
+            </a:endParaRPr>
+          </a:p>
+        </p:txBody>
+      </p:sp>
+      <p:sp>
+        <p:nvSpPr>
+          <p:cNvPr id="3" name="Inhaltsplatzhalter 2"/>
+          <p:cNvSpPr>
+            <a:spLocks noGrp="1"/>
+          </p:cNvSpPr>
+          <p:nvPr>
+            <p:ph idx="1"/>
+          </p:nvPr>
+        </p:nvSpPr>
+        <p:spPr/>
+        <p:txBody>
+          <a:bodyPr/>
+          <a:lstStyle/>
+          <a:p>
+            <a:r>
+              <a:rPr lang="de-DE" dirty="0">
+                <a:solidFill>
+                  <a:schemeClr val="tx1">
+                    <a:lumMod val="65000"/>
+                    <a:lumOff val="35000"/>
+                  </a:schemeClr>
+                </a:solidFill>
+                <a:hlinkClick r:id="rId2"/>
+              </a:rPr>
+              <a:t>https://www.open-mpi.org</a:t>
+            </a:r>
+            <a:r>
+              <a:rPr lang="de-DE" dirty="0" smtClean="0">
+                <a:solidFill>
+                  <a:schemeClr val="tx1">
+                    <a:lumMod val="65000"/>
+                    <a:lumOff val="35000"/>
+                  </a:schemeClr>
+                </a:solidFill>
+                <a:hlinkClick r:id="rId2"/>
+              </a:rPr>
+              <a:t>/</a:t>
+            </a:r>
+            <a:endParaRPr lang="de-DE" dirty="0" smtClean="0">
+              <a:solidFill>
+                <a:schemeClr val="tx1">
+                  <a:lumMod val="65000"/>
+                  <a:lumOff val="35000"/>
+                </a:schemeClr>
+              </a:solidFill>
+            </a:endParaRPr>
+          </a:p>
+          <a:p>
+            <a:r>
+              <a:rPr lang="de-DE" dirty="0">
+                <a:hlinkClick r:id="rId3"/>
+              </a:rPr>
+              <a:t>https</a:t>
+            </a:r>
+            <a:r>
+              <a:rPr lang="de-DE" dirty="0" smtClean="0">
+                <a:hlinkClick r:id="rId3"/>
+              </a:rPr>
+              <a:t>://en.wikipedia.org/wiki/Message_Passing_Interface</a:t>
+            </a:r>
+            <a:endParaRPr lang="de-DE" dirty="0" smtClean="0"/>
+          </a:p>
+          <a:p>
+            <a:endParaRPr lang="de-DE" dirty="0"/>
+          </a:p>
+        </p:txBody>
+      </p:sp>
+    </p:spTree>
+    <p:extLst>
+      <p:ext uri="{BB962C8B-B14F-4D97-AF65-F5344CB8AC3E}">
+        <p14:creationId xmlns:p14="http://schemas.microsoft.com/office/powerpoint/2010/main" val="847777331"/>
+      </p:ext>
+    </p:extLst>
+  </p:cSld>
+  <p:clrMapOvr>
+    <a:masterClrMapping/>
+  </p:clrMapOvr>
+</p:sld>
+</file>
+
 <file path=ppt/slides/slide2.xml><?xml version="1.0" encoding="utf-8"?>
 <p:sld xmlns:a="http://schemas.openxmlformats.org/drawingml/2006/main" xmlns:r="http://schemas.openxmlformats.org/officeDocument/2006/relationships" xmlns:p="http://schemas.openxmlformats.org/presentationml/2006/main">
   <p:cSld>
@@ -6302,8 +6654,16 @@
               <a:t> </a:t>
             </a:r>
             <a:r>
-              <a:rPr lang="de-DE" dirty="0" err="1" smtClean="0"/>
-              <a:t>interface</a:t>
+              <a:rPr lang="de-DE" dirty="0" smtClean="0"/>
+              <a:t>Interface </a:t>
+            </a:r>
+            <a:r>
+              <a:rPr lang="de-DE" dirty="0" smtClean="0"/>
+              <a:t>implementation </a:t>
+            </a:r>
+            <a:r>
+              <a:rPr lang="de-DE" dirty="0" err="1" smtClean="0"/>
+              <a:t>that</a:t>
             </a:r>
             <a:r>
               <a:rPr lang="de-DE" dirty="0" smtClean="0"/>
@@ -6311,7 +6671,15 @@
             </a:r>
             <a:r>
               <a:rPr lang="de-DE" dirty="0" err="1" smtClean="0"/>
-              <a:t>implementation</a:t>
+              <a:t>is</a:t>
+            </a:r>
+            <a:r>
+              <a:rPr lang="de-DE" dirty="0" smtClean="0"/>
+              <a:t> developed </a:t>
+            </a:r>
+            <a:r>
+              <a:rPr lang="de-DE" dirty="0" err="1" smtClean="0"/>
+              <a:t>and</a:t>
             </a:r>
             <a:r>
               <a:rPr lang="de-DE" dirty="0" smtClean="0"/>
@@ -6319,7 +6687,7 @@
             </a:r>
             <a:r>
               <a:rPr lang="de-DE" dirty="0" err="1" smtClean="0"/>
-              <a:t>that</a:t>
+              <a:t>maintained</a:t>
             </a:r>
             <a:r>
               <a:rPr lang="de-DE" dirty="0" smtClean="0"/>
@@ -6327,7 +6695,15 @@
             </a:r>
             <a:r>
               <a:rPr lang="de-DE" dirty="0" err="1" smtClean="0"/>
-              <a:t>is</a:t>
+              <a:t>by</a:t>
+            </a:r>
+            <a:r>
+              <a:rPr lang="de-DE" dirty="0" smtClean="0"/>
+              <a:t> a </a:t>
+            </a:r>
+            <a:r>
+              <a:rPr lang="de-DE" dirty="0" err="1" smtClean="0"/>
+              <a:t>consortium</a:t>
             </a:r>
             <a:r>
               <a:rPr lang="de-DE" dirty="0" smtClean="0"/>
@@ -6335,7 +6711,7 @@
             </a:r>
             <a:r>
               <a:rPr lang="de-DE" dirty="0" err="1" smtClean="0"/>
-              <a:t>developed</a:t>
+              <a:t>of</a:t>
             </a:r>
             <a:r>
               <a:rPr lang="de-DE" dirty="0" smtClean="0"/>
@@ -6343,6 +6719,22 @@
             </a:r>
             <a:r>
               <a:rPr lang="de-DE" dirty="0" err="1" smtClean="0"/>
+              <a:t>academic</a:t>
+            </a:r>
+            <a:r>
+              <a:rPr lang="de-DE" dirty="0" smtClean="0"/>
+              <a:t> , </a:t>
+            </a:r>
+            <a:r>
+              <a:rPr lang="de-DE" dirty="0" err="1" smtClean="0"/>
+              <a:t>research</a:t>
+            </a:r>
+            <a:r>
+              <a:rPr lang="de-DE" dirty="0" smtClean="0"/>
+              <a:t> </a:t>
+            </a:r>
+            <a:r>
+              <a:rPr lang="de-DE" dirty="0" err="1" smtClean="0"/>
               <a:t>and</a:t>
             </a:r>
             <a:r>
@@ -6351,7 +6743,7 @@
             </a:r>
             <a:r>
               <a:rPr lang="de-DE" dirty="0" err="1" smtClean="0"/>
-              <a:t>maintained</a:t>
+              <a:t>industry</a:t>
             </a:r>
             <a:r>
               <a:rPr lang="de-DE" dirty="0" smtClean="0"/>
@@ -6359,15 +6751,17 @@
             </a:r>
             <a:r>
               <a:rPr lang="de-DE" dirty="0" err="1" smtClean="0"/>
-              <a:t>by</a:t>
-            </a:r>
-            <a:r>
-              <a:rPr lang="de-DE" dirty="0" smtClean="0"/>
-              <a:t> a </a:t>
-            </a:r>
-            <a:r>
-              <a:rPr lang="de-DE" dirty="0" err="1" smtClean="0"/>
-              <a:t>consortium</a:t>
+              <a:t>partners</a:t>
+            </a:r>
+            <a:r>
+              <a:rPr lang="de-DE" dirty="0" smtClean="0"/>
+              <a:t>.</a:t>
+            </a:r>
+          </a:p>
+          <a:p>
+            <a:r>
+              <a:rPr lang="de-DE" dirty="0" err="1" smtClean="0"/>
+              <a:t>Earliest</a:t>
             </a:r>
             <a:r>
               <a:rPr lang="de-DE" dirty="0" smtClean="0"/>
@@ -6375,23 +6769,37 @@
             </a:r>
             <a:r>
               <a:rPr lang="de-DE" dirty="0" err="1" smtClean="0"/>
+              <a:t>release</a:t>
+            </a:r>
+            <a:r>
+              <a:rPr lang="de-DE" dirty="0" smtClean="0"/>
+              <a:t>:  MPI1 in November </a:t>
+            </a:r>
+            <a:r>
+              <a:rPr lang="de-DE" dirty="0" err="1" smtClean="0"/>
               <a:t>of</a:t>
             </a:r>
             <a:r>
               <a:rPr lang="de-DE" dirty="0" smtClean="0"/>
+              <a:t> 1992. </a:t>
+            </a:r>
+          </a:p>
+          <a:p>
+            <a:r>
+              <a:rPr lang="de-DE" dirty="0" smtClean="0"/>
+              <a:t>Communication </a:t>
+            </a:r>
+            <a:r>
+              <a:rPr lang="de-DE" dirty="0" err="1" smtClean="0"/>
+              <a:t>protocol</a:t>
+            </a:r>
+            <a:r>
+              <a:rPr lang="de-DE" dirty="0" smtClean="0"/>
               <a:t> </a:t>
             </a:r>
             <a:r>
               <a:rPr lang="de-DE" dirty="0" err="1" smtClean="0"/>
-              <a:t>academic</a:t>
-            </a:r>
-            <a:r>
-              <a:rPr lang="de-DE" dirty="0" smtClean="0"/>
-              <a:t> , </a:t>
-            </a:r>
-            <a:r>
-              <a:rPr lang="de-DE" dirty="0" err="1" smtClean="0"/>
-              <a:t>research</a:t>
+              <a:t>for</a:t>
             </a:r>
             <a:r>
               <a:rPr lang="de-DE" dirty="0" smtClean="0"/>
@@ -6399,7 +6807,7 @@
             </a:r>
             <a:r>
               <a:rPr lang="de-DE" dirty="0" err="1" smtClean="0"/>
-              <a:t>and</a:t>
+              <a:t>for</a:t>
             </a:r>
             <a:r>
               <a:rPr lang="de-DE" dirty="0" smtClean="0"/>
@@ -6407,7 +6815,25 @@
             </a:r>
             <a:r>
               <a:rPr lang="de-DE" dirty="0" err="1" smtClean="0"/>
-              <a:t>industry</a:t>
+              <a:t>programming</a:t>
+            </a:r>
+            <a:r>
+              <a:rPr lang="de-DE" dirty="0" smtClean="0"/>
+              <a:t> parallel </a:t>
+            </a:r>
+            <a:r>
+              <a:rPr lang="de-DE" dirty="0" err="1" smtClean="0"/>
+              <a:t>computers</a:t>
+            </a:r>
+            <a:r>
+              <a:rPr lang="de-DE" dirty="0" smtClean="0"/>
+              <a:t>.</a:t>
+            </a:r>
+          </a:p>
+          <a:p>
+            <a:r>
+              <a:rPr lang="de-DE" dirty="0" err="1" smtClean="0"/>
+              <a:t>Each</a:t>
             </a:r>
             <a:r>
               <a:rPr lang="de-DE" dirty="0" smtClean="0"/>
@@ -6415,7 +6841,31 @@
             </a:r>
             <a:r>
               <a:rPr lang="de-DE" dirty="0" err="1" smtClean="0"/>
-              <a:t>partners</a:t>
+              <a:t>process</a:t>
+            </a:r>
+            <a:r>
+              <a:rPr lang="de-DE" dirty="0" smtClean="0"/>
+              <a:t> </a:t>
+            </a:r>
+            <a:r>
+              <a:rPr lang="de-DE" dirty="0" err="1" smtClean="0"/>
+              <a:t>has</a:t>
+            </a:r>
+            <a:r>
+              <a:rPr lang="de-DE" dirty="0" smtClean="0"/>
+              <a:t> ist </a:t>
+            </a:r>
+            <a:r>
+              <a:rPr lang="de-DE" dirty="0" err="1" smtClean="0"/>
+              <a:t>own</a:t>
+            </a:r>
+            <a:r>
+              <a:rPr lang="de-DE" dirty="0" smtClean="0"/>
+              <a:t> </a:t>
+            </a:r>
+            <a:r>
+              <a:rPr lang="de-DE" dirty="0" err="1" smtClean="0"/>
+              <a:t>memory</a:t>
             </a:r>
             <a:r>
               <a:rPr lang="de-DE" dirty="0" smtClean="0"/>
@@ -6425,7 +6875,7 @@
           <a:p>
             <a:r>
               <a:rPr lang="de-DE" dirty="0" err="1" smtClean="0"/>
-              <a:t>Earliest</a:t>
+              <a:t>Mostly</a:t>
             </a:r>
             <a:r>
               <a:rPr lang="de-DE" dirty="0" smtClean="0"/>
@@ -6433,29 +6883,7 @@
             </a:r>
             <a:r>
               <a:rPr lang="de-DE" dirty="0" err="1" smtClean="0"/>
-              <a:t>release</a:t>
-            </a:r>
-            <a:r>
-              <a:rPr lang="de-DE" dirty="0" smtClean="0"/>
-              <a:t>:  MPI1 in November </a:t>
-            </a:r>
-            <a:r>
-              <a:rPr lang="de-DE" dirty="0" err="1" smtClean="0"/>
-              <a:t>of</a:t>
-            </a:r>
-            <a:r>
-              <a:rPr lang="de-DE" dirty="0" smtClean="0"/>
-              <a:t> 1992. </a:t>
-            </a:r>
-          </a:p>
-          <a:p>
-            <a:r>
-              <a:rPr lang="de-DE" dirty="0" smtClean="0"/>
-              <a:t>Communication </a:t>
-            </a:r>
-            <a:r>
-              <a:rPr lang="de-DE" dirty="0" err="1" smtClean="0"/>
-              <a:t>protocol</a:t>
+              <a:t>used</a:t>
             </a:r>
             <a:r>
               <a:rPr lang="de-DE" dirty="0" smtClean="0"/>
@@ -6467,11 +6895,25 @@
             </a:r>
             <a:r>
               <a:rPr lang="de-DE" dirty="0" smtClean="0"/>
+              <a:t> MIMD/SPMD</a:t>
+            </a:r>
+          </a:p>
+          <a:p>
+            <a:r>
+              <a:rPr lang="de-DE" dirty="0" smtClean="0"/>
+              <a:t>Data </a:t>
+            </a:r>
+            <a:r>
+              <a:rPr lang="de-DE" dirty="0" err="1" smtClean="0"/>
+              <a:t>can</a:t>
+            </a:r>
+            <a:r>
+              <a:rPr lang="de-DE" dirty="0" smtClean="0"/>
               <a:t> </a:t>
             </a:r>
             <a:r>
               <a:rPr lang="de-DE" dirty="0" err="1" smtClean="0"/>
-              <a:t>for</a:t>
+              <a:t>be</a:t>
             </a:r>
             <a:r>
               <a:rPr lang="de-DE" dirty="0" smtClean="0"/>
@@ -6479,20 +6921,21 @@
             </a:r>
             <a:r>
               <a:rPr lang="de-DE" dirty="0" err="1" smtClean="0"/>
-              <a:t>programming</a:t>
-            </a:r>
-            <a:r>
-              <a:rPr lang="de-DE" dirty="0" smtClean="0"/>
-              <a:t> parallel </a:t>
-            </a:r>
-            <a:r>
-              <a:rPr lang="de-DE" dirty="0" err="1" smtClean="0"/>
-              <a:t>computers</a:t>
+              <a:t>explicitly</a:t>
+            </a:r>
+            <a:r>
+              <a:rPr lang="de-DE" dirty="0" smtClean="0"/>
+              <a:t> </a:t>
+            </a:r>
+            <a:r>
+              <a:rPr lang="de-DE" dirty="0" err="1" smtClean="0"/>
+              <a:t>exchanged</a:t>
             </a:r>
             <a:r>
               <a:rPr lang="de-DE" dirty="0" smtClean="0"/>
               <a:t>.</a:t>
             </a:r>
+            <a:endParaRPr lang="de-DE" dirty="0" smtClean="0"/>
           </a:p>
           <a:p>
             <a:endParaRPr lang="de-DE" dirty="0"/>
@@ -6553,7 +6996,18 @@
                   </a:schemeClr>
                 </a:solidFill>
               </a:rPr>
-              <a:t>References</a:t>
+              <a:t>Basic MPI </a:t>
+            </a:r>
+            <a:r>
+              <a:rPr lang="de-DE" dirty="0" err="1" smtClean="0">
+                <a:solidFill>
+                  <a:schemeClr val="tx1">
+                    <a:lumMod val="65000"/>
+                    <a:lumOff val="35000"/>
+                  </a:schemeClr>
+                </a:solidFill>
+              </a:rPr>
+              <a:t>Concepts</a:t>
             </a:r>
             <a:endParaRPr lang="de-DE" dirty="0">
               <a:solidFill>
@@ -6576,6 +7030,312 @@
             <p:ph idx="1"/>
           </p:nvPr>
         </p:nvSpPr>
+        <p:spPr>
+          <a:xfrm>
+            <a:off x="677334" y="1707343"/>
+            <a:ext cx="8596668" cy="4334019"/>
+          </a:xfrm>
+        </p:spPr>
+        <p:txBody>
+          <a:bodyPr/>
+          <a:lstStyle/>
+          <a:p>
+            <a:r>
+              <a:rPr lang="de-DE" dirty="0" err="1" smtClean="0"/>
+              <a:t>Processes</a:t>
+            </a:r>
+            <a:r>
+              <a:rPr lang="de-DE" dirty="0" smtClean="0"/>
+              <a:t> </a:t>
+            </a:r>
+            <a:r>
+              <a:rPr lang="de-DE" dirty="0" err="1" smtClean="0"/>
+              <a:t>can</a:t>
+            </a:r>
+            <a:r>
+              <a:rPr lang="de-DE" dirty="0" smtClean="0"/>
+              <a:t> </a:t>
+            </a:r>
+            <a:r>
+              <a:rPr lang="de-DE" dirty="0" err="1" smtClean="0"/>
+              <a:t>be</a:t>
+            </a:r>
+            <a:r>
+              <a:rPr lang="de-DE" dirty="0" smtClean="0"/>
+              <a:t> </a:t>
+            </a:r>
+            <a:r>
+              <a:rPr lang="de-DE" dirty="0" err="1" smtClean="0"/>
+              <a:t>grouped</a:t>
+            </a:r>
+            <a:r>
+              <a:rPr lang="de-DE" dirty="0" smtClean="0"/>
+              <a:t> </a:t>
+            </a:r>
+            <a:r>
+              <a:rPr lang="de-DE" dirty="0" err="1" smtClean="0"/>
+              <a:t>into</a:t>
+            </a:r>
+            <a:r>
+              <a:rPr lang="de-DE" dirty="0" smtClean="0"/>
+              <a:t> </a:t>
+            </a:r>
+            <a:r>
+              <a:rPr lang="de-DE" dirty="0" err="1" smtClean="0"/>
+              <a:t>groups</a:t>
+            </a:r>
+            <a:r>
+              <a:rPr lang="de-DE" dirty="0" smtClean="0"/>
+              <a:t>.</a:t>
+            </a:r>
+          </a:p>
+          <a:p>
+            <a:r>
+              <a:rPr lang="de-DE" dirty="0" smtClean="0"/>
+              <a:t>A Group + </a:t>
+            </a:r>
+            <a:r>
+              <a:rPr lang="de-DE" dirty="0" err="1" smtClean="0"/>
+              <a:t>Context</a:t>
+            </a:r>
+            <a:r>
+              <a:rPr lang="de-DE" dirty="0" smtClean="0"/>
+              <a:t> = Communicator.</a:t>
+            </a:r>
+          </a:p>
+          <a:p>
+            <a:r>
+              <a:rPr lang="de-DE" dirty="0" smtClean="0"/>
+              <a:t>Communicator </a:t>
+            </a:r>
+            <a:r>
+              <a:rPr lang="de-DE" dirty="0" err="1" smtClean="0"/>
+              <a:t>consists</a:t>
+            </a:r>
+            <a:r>
+              <a:rPr lang="de-DE" dirty="0" smtClean="0"/>
+              <a:t> </a:t>
+            </a:r>
+            <a:r>
+              <a:rPr lang="de-DE" dirty="0" err="1" smtClean="0"/>
+              <a:t>of</a:t>
+            </a:r>
+            <a:r>
+              <a:rPr lang="de-DE" dirty="0" smtClean="0"/>
+              <a:t> </a:t>
+            </a:r>
+            <a:r>
+              <a:rPr lang="de-DE" dirty="0" err="1" smtClean="0"/>
+              <a:t>processes</a:t>
+            </a:r>
+            <a:r>
+              <a:rPr lang="de-DE" dirty="0" smtClean="0"/>
+              <a:t> </a:t>
+            </a:r>
+            <a:r>
+              <a:rPr lang="de-DE" dirty="0" err="1" smtClean="0"/>
+              <a:t>executing</a:t>
+            </a:r>
+            <a:r>
+              <a:rPr lang="de-DE" dirty="0" smtClean="0"/>
+              <a:t> </a:t>
+            </a:r>
+            <a:r>
+              <a:rPr lang="de-DE" dirty="0" err="1" smtClean="0"/>
+              <a:t>program</a:t>
+            </a:r>
+            <a:r>
+              <a:rPr lang="de-DE" dirty="0" smtClean="0"/>
+              <a:t>.</a:t>
+            </a:r>
+          </a:p>
+          <a:p>
+            <a:r>
+              <a:rPr lang="de-DE" dirty="0" smtClean="0"/>
+              <a:t>Default </a:t>
+            </a:r>
+            <a:r>
+              <a:rPr lang="de-DE" dirty="0" err="1" smtClean="0"/>
+              <a:t>communicator</a:t>
+            </a:r>
+            <a:r>
+              <a:rPr lang="de-DE" dirty="0" smtClean="0"/>
+              <a:t> </a:t>
+            </a:r>
+            <a:r>
+              <a:rPr lang="de-DE" dirty="0" err="1" smtClean="0"/>
+              <a:t>is</a:t>
+            </a:r>
+            <a:r>
+              <a:rPr lang="de-DE" dirty="0" smtClean="0"/>
+              <a:t> MPI_COMM_WORLD.</a:t>
+            </a:r>
+          </a:p>
+          <a:p>
+            <a:r>
+              <a:rPr lang="de-DE" dirty="0" smtClean="0"/>
+              <a:t>A </a:t>
+            </a:r>
+            <a:r>
+              <a:rPr lang="de-DE" dirty="0" err="1" smtClean="0"/>
+              <a:t>message</a:t>
+            </a:r>
+            <a:r>
+              <a:rPr lang="de-DE" dirty="0" smtClean="0"/>
+              <a:t> = Data + </a:t>
+            </a:r>
+            <a:r>
+              <a:rPr lang="de-DE" dirty="0" err="1" smtClean="0"/>
+              <a:t>Envolpe</a:t>
+            </a:r>
+            <a:r>
+              <a:rPr lang="de-DE" dirty="0" smtClean="0"/>
+              <a:t>.</a:t>
+            </a:r>
+          </a:p>
+          <a:p>
+            <a:r>
+              <a:rPr lang="de-DE" dirty="0" smtClean="0"/>
+              <a:t>An </a:t>
+            </a:r>
+            <a:r>
+              <a:rPr lang="de-DE" dirty="0" err="1" smtClean="0"/>
+              <a:t>Envolpe</a:t>
+            </a:r>
+            <a:r>
+              <a:rPr lang="de-DE" dirty="0" smtClean="0"/>
+              <a:t> </a:t>
+            </a:r>
+            <a:r>
+              <a:rPr lang="de-DE" dirty="0" err="1" smtClean="0"/>
+              <a:t>consists</a:t>
+            </a:r>
+            <a:r>
+              <a:rPr lang="de-DE" dirty="0" smtClean="0"/>
+              <a:t> </a:t>
+            </a:r>
+            <a:r>
+              <a:rPr lang="de-DE" dirty="0" err="1" smtClean="0"/>
+              <a:t>of</a:t>
+            </a:r>
+            <a:r>
+              <a:rPr lang="de-DE" dirty="0" smtClean="0"/>
+              <a:t>:</a:t>
+            </a:r>
+          </a:p>
+          <a:p>
+            <a:pPr lvl="1"/>
+            <a:r>
+              <a:rPr lang="de-DE" dirty="0" smtClean="0"/>
+              <a:t>Rank </a:t>
+            </a:r>
+            <a:r>
+              <a:rPr lang="de-DE" dirty="0" err="1" smtClean="0"/>
+              <a:t>of</a:t>
+            </a:r>
+            <a:r>
+              <a:rPr lang="de-DE" dirty="0" smtClean="0"/>
+              <a:t> </a:t>
+            </a:r>
+            <a:r>
+              <a:rPr lang="de-DE" dirty="0" err="1" smtClean="0"/>
+              <a:t>the</a:t>
+            </a:r>
+            <a:r>
+              <a:rPr lang="de-DE" dirty="0" smtClean="0"/>
+              <a:t> </a:t>
+            </a:r>
+            <a:r>
+              <a:rPr lang="de-DE" dirty="0" err="1" smtClean="0"/>
+              <a:t>receiver</a:t>
+            </a:r>
+            <a:endParaRPr lang="de-DE" dirty="0" smtClean="0"/>
+          </a:p>
+          <a:p>
+            <a:pPr lvl="1"/>
+            <a:r>
+              <a:rPr lang="de-DE" dirty="0" smtClean="0"/>
+              <a:t>Rank </a:t>
+            </a:r>
+            <a:r>
+              <a:rPr lang="de-DE" dirty="0" err="1" smtClean="0"/>
+              <a:t>of</a:t>
+            </a:r>
+            <a:r>
+              <a:rPr lang="de-DE" dirty="0" smtClean="0"/>
+              <a:t> </a:t>
+            </a:r>
+            <a:r>
+              <a:rPr lang="de-DE" dirty="0" err="1" smtClean="0"/>
+              <a:t>the</a:t>
+            </a:r>
+            <a:r>
+              <a:rPr lang="de-DE" dirty="0" smtClean="0"/>
+              <a:t> </a:t>
+            </a:r>
+            <a:r>
+              <a:rPr lang="de-DE" dirty="0" err="1" smtClean="0"/>
+              <a:t>sender</a:t>
+            </a:r>
+            <a:endParaRPr lang="de-DE" dirty="0" smtClean="0"/>
+          </a:p>
+          <a:p>
+            <a:pPr lvl="1"/>
+            <a:r>
+              <a:rPr lang="de-DE" dirty="0" smtClean="0"/>
+              <a:t>Tag</a:t>
+            </a:r>
+          </a:p>
+          <a:p>
+            <a:pPr lvl="1"/>
+            <a:r>
+              <a:rPr lang="de-DE" dirty="0" err="1" smtClean="0"/>
+              <a:t>comunnicator</a:t>
+            </a:r>
+            <a:endParaRPr lang="de-DE" dirty="0"/>
+          </a:p>
+        </p:txBody>
+      </p:sp>
+    </p:spTree>
+    <p:extLst>
+      <p:ext uri="{BB962C8B-B14F-4D97-AF65-F5344CB8AC3E}">
+        <p14:creationId xmlns:p14="http://schemas.microsoft.com/office/powerpoint/2010/main" val="657360709"/>
+      </p:ext>
+    </p:extLst>
+  </p:cSld>
+  <p:clrMapOvr>
+    <a:masterClrMapping/>
+  </p:clrMapOvr>
+</p:sld>
+</file>
+
+<file path=ppt/slides/slide6.xml><?xml version="1.0" encoding="utf-8"?>
+<p:sld xmlns:a="http://schemas.openxmlformats.org/drawingml/2006/main" xmlns:r="http://schemas.openxmlformats.org/officeDocument/2006/relationships" xmlns:p="http://schemas.openxmlformats.org/presentationml/2006/main">
+  <p:cSld>
+    <p:spTree>
+      <p:nvGrpSpPr>
+        <p:cNvPr id="1" name=""/>
+        <p:cNvGrpSpPr/>
+        <p:nvPr/>
+      </p:nvGrpSpPr>
+      <p:grpSpPr>
+        <a:xfrm>
+          <a:off x="0" y="0"/>
+          <a:ext cx="0" cy="0"/>
+          <a:chOff x="0" y="0"/>
+          <a:chExt cx="0" cy="0"/>
+        </a:xfrm>
+      </p:grpSpPr>
+      <p:sp>
+        <p:nvSpPr>
+          <p:cNvPr id="2" name="Titel 1"/>
+          <p:cNvSpPr>
+            <a:spLocks noGrp="1"/>
+          </p:cNvSpPr>
+          <p:nvPr>
+            <p:ph type="title"/>
+          </p:nvPr>
+        </p:nvSpPr>
         <p:spPr/>
         <p:txBody>
           <a:bodyPr/>
@@ -6589,23 +7349,220 @@
                     <a:lumOff val="35000"/>
                   </a:schemeClr>
                 </a:solidFill>
-                <a:hlinkClick r:id="rId2"/>
               </a:rPr>
-              <a:t>https://www.open-mpi.org</a:t>
-            </a:r>
-            <a:r>
-              <a:rPr lang="de-DE" dirty="0" smtClean="0">
+              <a:t>Basic MPI </a:t>
+            </a:r>
+            <a:r>
+              <a:rPr lang="de-DE" dirty="0" err="1">
                 <a:solidFill>
                   <a:schemeClr val="tx1">
                     <a:lumMod val="65000"/>
                     <a:lumOff val="35000"/>
                   </a:schemeClr>
                 </a:solidFill>
-                <a:hlinkClick r:id="rId2"/>
               </a:rPr>
-              <a:t>/</a:t>
-            </a:r>
-            <a:endParaRPr lang="de-DE" dirty="0" smtClean="0">
+              <a:t>Concepts</a:t>
+            </a:r>
+            <a:endParaRPr lang="de-DE" dirty="0"/>
+          </a:p>
+        </p:txBody>
+      </p:sp>
+      <p:sp>
+        <p:nvSpPr>
+          <p:cNvPr id="3" name="Inhaltsplatzhalter 2"/>
+          <p:cNvSpPr>
+            <a:spLocks noGrp="1"/>
+          </p:cNvSpPr>
+          <p:nvPr>
+            <p:ph idx="1"/>
+          </p:nvPr>
+        </p:nvSpPr>
+        <p:spPr/>
+        <p:txBody>
+          <a:bodyPr/>
+          <a:lstStyle/>
+          <a:p>
+            <a:r>
+              <a:rPr lang="de-DE" dirty="0" err="1" smtClean="0"/>
+              <a:t>MPI_Status</a:t>
+            </a:r>
+            <a:r>
+              <a:rPr lang="de-DE" dirty="0" smtClean="0"/>
+              <a:t> </a:t>
+            </a:r>
+            <a:r>
+              <a:rPr lang="de-DE" dirty="0" err="1" smtClean="0"/>
+              <a:t>status</a:t>
+            </a:r>
+            <a:endParaRPr lang="de-DE" dirty="0" smtClean="0"/>
+          </a:p>
+          <a:p>
+            <a:r>
+              <a:rPr lang="de-DE" dirty="0" err="1" smtClean="0"/>
+              <a:t>MPI_Init</a:t>
+            </a:r>
+            <a:r>
+              <a:rPr lang="de-DE" dirty="0" smtClean="0"/>
+              <a:t>(&amp;</a:t>
+            </a:r>
+            <a:r>
+              <a:rPr lang="de-DE" dirty="0" err="1" smtClean="0"/>
+              <a:t>arc</a:t>
+            </a:r>
+            <a:r>
+              <a:rPr lang="de-DE" dirty="0" smtClean="0"/>
+              <a:t>,&amp;</a:t>
+            </a:r>
+            <a:r>
+              <a:rPr lang="de-DE" dirty="0" err="1" smtClean="0"/>
+              <a:t>argv</a:t>
+            </a:r>
+            <a:r>
+              <a:rPr lang="de-DE" dirty="0" smtClean="0"/>
+              <a:t>).</a:t>
+            </a:r>
+          </a:p>
+          <a:p>
+            <a:r>
+              <a:rPr lang="de-DE" dirty="0" err="1" smtClean="0"/>
+              <a:t>MPI_Comm_rank</a:t>
+            </a:r>
+            <a:r>
+              <a:rPr lang="de-DE" dirty="0" smtClean="0"/>
+              <a:t>(</a:t>
+            </a:r>
+            <a:r>
+              <a:rPr lang="de-DE" dirty="0" err="1" smtClean="0"/>
+              <a:t>MPI_Comm</a:t>
+            </a:r>
+            <a:r>
+              <a:rPr lang="de-DE" dirty="0" smtClean="0"/>
+              <a:t> </a:t>
+            </a:r>
+            <a:r>
+              <a:rPr lang="de-DE" dirty="0" err="1" smtClean="0"/>
+              <a:t>comm</a:t>
+            </a:r>
+            <a:r>
+              <a:rPr lang="de-DE" dirty="0" smtClean="0"/>
+              <a:t> , &amp;rank).</a:t>
+            </a:r>
+          </a:p>
+          <a:p>
+            <a:r>
+              <a:rPr lang="de-DE" dirty="0" err="1" smtClean="0"/>
+              <a:t>MPI_Comm_size</a:t>
+            </a:r>
+            <a:r>
+              <a:rPr lang="de-DE" dirty="0" smtClean="0"/>
+              <a:t>(</a:t>
+            </a:r>
+            <a:r>
+              <a:rPr lang="de-DE" dirty="0" err="1" smtClean="0"/>
+              <a:t>MPI_Comm</a:t>
+            </a:r>
+            <a:r>
+              <a:rPr lang="de-DE" dirty="0" smtClean="0"/>
+              <a:t> </a:t>
+            </a:r>
+            <a:r>
+              <a:rPr lang="de-DE" dirty="0" err="1" smtClean="0"/>
+              <a:t>com</a:t>
+            </a:r>
+            <a:r>
+              <a:rPr lang="de-DE" dirty="0" smtClean="0"/>
+              <a:t> , &amp;</a:t>
+            </a:r>
+            <a:r>
+              <a:rPr lang="de-DE" dirty="0" err="1" smtClean="0"/>
+              <a:t>size</a:t>
+            </a:r>
+            <a:r>
+              <a:rPr lang="de-DE" dirty="0" smtClean="0"/>
+              <a:t>).</a:t>
+            </a:r>
+          </a:p>
+          <a:p>
+            <a:r>
+              <a:rPr lang="de-DE" dirty="0" err="1" smtClean="0"/>
+              <a:t>MPI_Finalize</a:t>
+            </a:r>
+            <a:r>
+              <a:rPr lang="de-DE" dirty="0" smtClean="0"/>
+              <a:t>();</a:t>
+            </a:r>
+            <a:endParaRPr lang="de-DE" dirty="0"/>
+          </a:p>
+        </p:txBody>
+      </p:sp>
+    </p:spTree>
+    <p:extLst>
+      <p:ext uri="{BB962C8B-B14F-4D97-AF65-F5344CB8AC3E}">
+        <p14:creationId xmlns:p14="http://schemas.microsoft.com/office/powerpoint/2010/main" val="3164042218"/>
+      </p:ext>
+    </p:extLst>
+  </p:cSld>
+  <p:clrMapOvr>
+    <a:masterClrMapping/>
+  </p:clrMapOvr>
+</p:sld>
+</file>
+
+<file path=ppt/slides/slide7.xml><?xml version="1.0" encoding="utf-8"?>
+<p:sld xmlns:a="http://schemas.openxmlformats.org/drawingml/2006/main" xmlns:r="http://schemas.openxmlformats.org/officeDocument/2006/relationships" xmlns:p="http://schemas.openxmlformats.org/presentationml/2006/main">
+  <p:cSld>
+    <p:spTree>
+      <p:nvGrpSpPr>
+        <p:cNvPr id="1" name=""/>
+        <p:cNvGrpSpPr/>
+        <p:nvPr/>
+      </p:nvGrpSpPr>
+      <p:grpSpPr>
+        <a:xfrm>
+          <a:off x="0" y="0"/>
+          <a:ext cx="0" cy="0"/>
+          <a:chOff x="0" y="0"/>
+          <a:chExt cx="0" cy="0"/>
+        </a:xfrm>
+      </p:grpSpPr>
+      <p:sp>
+        <p:nvSpPr>
+          <p:cNvPr id="2" name="Titel 1"/>
+          <p:cNvSpPr>
+            <a:spLocks noGrp="1"/>
+          </p:cNvSpPr>
+          <p:nvPr>
+            <p:ph type="title"/>
+          </p:nvPr>
+        </p:nvSpPr>
+        <p:spPr/>
+        <p:txBody>
+          <a:bodyPr/>
+          <a:lstStyle/>
+          <a:p>
+            <a:r>
+              <a:rPr lang="de-DE" dirty="0" err="1" smtClean="0">
+                <a:solidFill>
+                  <a:schemeClr val="tx1">
+                    <a:lumMod val="65000"/>
+                    <a:lumOff val="35000"/>
+                  </a:schemeClr>
+                </a:solidFill>
+              </a:rPr>
+              <a:t>Synchronized</a:t>
+            </a:r>
+            <a:r>
+              <a:rPr lang="de-DE" dirty="0" smtClean="0">
+                <a:solidFill>
+                  <a:schemeClr val="tx1">
+                    <a:lumMod val="65000"/>
+                    <a:lumOff val="35000"/>
+                  </a:schemeClr>
+                </a:solidFill>
+              </a:rPr>
+              <a:t> MPI Communication</a:t>
+            </a:r>
+            <a:endParaRPr lang="de-DE" dirty="0">
               <a:solidFill>
                 <a:schemeClr val="tx1">
                   <a:lumMod val="65000"/>
@@ -6614,19 +7571,354 @@
               </a:solidFill>
             </a:endParaRPr>
           </a:p>
-          <a:p>
-            <a:r>
-              <a:rPr lang="de-DE" dirty="0">
-                <a:hlinkClick r:id="rId3"/>
-              </a:rPr>
-              <a:t>https</a:t>
-            </a:r>
-            <a:r>
-              <a:rPr lang="de-DE" dirty="0" smtClean="0">
-                <a:hlinkClick r:id="rId3"/>
-              </a:rPr>
-              <a:t>://en.wikipedia.org/wiki/Message_Passing_Interface</a:t>
-            </a:r>
+        </p:txBody>
+      </p:sp>
+      <p:sp>
+        <p:nvSpPr>
+          <p:cNvPr id="3" name="Inhaltsplatzhalter 2"/>
+          <p:cNvSpPr>
+            <a:spLocks noGrp="1"/>
+          </p:cNvSpPr>
+          <p:nvPr>
+            <p:ph idx="1"/>
+          </p:nvPr>
+        </p:nvSpPr>
+        <p:spPr>
+          <a:xfrm>
+            <a:off x="677334" y="1676111"/>
+            <a:ext cx="8596668" cy="4365251"/>
+          </a:xfrm>
+        </p:spPr>
+        <p:txBody>
+          <a:bodyPr/>
+          <a:lstStyle/>
+          <a:p>
+            <a:r>
+              <a:rPr lang="de-DE" dirty="0" err="1" smtClean="0"/>
+              <a:t>Synchronized</a:t>
+            </a:r>
+            <a:r>
+              <a:rPr lang="de-DE" dirty="0" smtClean="0"/>
+              <a:t> Communication </a:t>
+            </a:r>
+            <a:r>
+              <a:rPr lang="de-DE" dirty="0" err="1" smtClean="0"/>
+              <a:t>requires</a:t>
+            </a:r>
+            <a:r>
+              <a:rPr lang="de-DE" dirty="0" smtClean="0"/>
+              <a:t> </a:t>
+            </a:r>
+            <a:r>
+              <a:rPr lang="de-DE" dirty="0" err="1" smtClean="0"/>
+              <a:t>both</a:t>
+            </a:r>
+            <a:r>
+              <a:rPr lang="de-DE" dirty="0" smtClean="0"/>
+              <a:t> </a:t>
+            </a:r>
+            <a:r>
+              <a:rPr lang="de-DE" dirty="0" err="1" smtClean="0"/>
+              <a:t>the</a:t>
+            </a:r>
+            <a:r>
+              <a:rPr lang="de-DE" dirty="0" smtClean="0"/>
+              <a:t> </a:t>
+            </a:r>
+            <a:r>
+              <a:rPr lang="de-DE" dirty="0" err="1" smtClean="0"/>
+              <a:t>sender</a:t>
+            </a:r>
+            <a:r>
+              <a:rPr lang="de-DE" dirty="0" smtClean="0"/>
+              <a:t> </a:t>
+            </a:r>
+            <a:r>
+              <a:rPr lang="de-DE" dirty="0" err="1" smtClean="0"/>
+              <a:t>and</a:t>
+            </a:r>
+            <a:r>
+              <a:rPr lang="de-DE" dirty="0" smtClean="0"/>
+              <a:t> </a:t>
+            </a:r>
+            <a:r>
+              <a:rPr lang="de-DE" dirty="0" err="1" smtClean="0"/>
+              <a:t>the</a:t>
+            </a:r>
+            <a:r>
+              <a:rPr lang="de-DE" dirty="0" smtClean="0"/>
+              <a:t> </a:t>
+            </a:r>
+            <a:r>
+              <a:rPr lang="de-DE" dirty="0" err="1" smtClean="0"/>
+              <a:t>receiver</a:t>
+            </a:r>
+            <a:r>
+              <a:rPr lang="de-DE" dirty="0" smtClean="0"/>
+              <a:t>.</a:t>
+            </a:r>
+          </a:p>
+          <a:p>
+            <a:r>
+              <a:rPr lang="de-DE" dirty="0" smtClean="0"/>
+              <a:t>Message Sender </a:t>
+            </a:r>
+            <a:r>
+              <a:rPr lang="de-DE" dirty="0" err="1" smtClean="0"/>
+              <a:t>can‘t</a:t>
+            </a:r>
+            <a:r>
+              <a:rPr lang="de-DE" dirty="0" smtClean="0"/>
+              <a:t> send </a:t>
+            </a:r>
+            <a:r>
+              <a:rPr lang="de-DE" dirty="0" err="1" smtClean="0"/>
+              <a:t>the</a:t>
+            </a:r>
+            <a:r>
+              <a:rPr lang="de-DE" dirty="0" smtClean="0"/>
+              <a:t> </a:t>
+            </a:r>
+            <a:r>
+              <a:rPr lang="de-DE" dirty="0" err="1" smtClean="0"/>
+              <a:t>message</a:t>
+            </a:r>
+            <a:r>
+              <a:rPr lang="de-DE" dirty="0" smtClean="0"/>
+              <a:t> </a:t>
+            </a:r>
+            <a:r>
+              <a:rPr lang="de-DE" dirty="0" err="1" smtClean="0"/>
+              <a:t>until</a:t>
+            </a:r>
+            <a:r>
+              <a:rPr lang="de-DE" dirty="0" smtClean="0"/>
+              <a:t> Message Receiver </a:t>
+            </a:r>
+            <a:r>
+              <a:rPr lang="de-DE" dirty="0" err="1" smtClean="0"/>
+              <a:t>is</a:t>
+            </a:r>
+            <a:r>
+              <a:rPr lang="de-DE" dirty="0" smtClean="0"/>
+              <a:t> </a:t>
+            </a:r>
+            <a:r>
+              <a:rPr lang="de-DE" dirty="0" err="1" smtClean="0"/>
+              <a:t>ready</a:t>
+            </a:r>
+            <a:r>
+              <a:rPr lang="de-DE" dirty="0" smtClean="0"/>
+              <a:t> </a:t>
+            </a:r>
+            <a:r>
+              <a:rPr lang="de-DE" dirty="0" err="1" smtClean="0"/>
+              <a:t>to</a:t>
+            </a:r>
+            <a:r>
+              <a:rPr lang="de-DE" dirty="0" smtClean="0"/>
+              <a:t> </a:t>
+            </a:r>
+            <a:r>
+              <a:rPr lang="de-DE" dirty="0" err="1" smtClean="0"/>
+              <a:t>receive</a:t>
+            </a:r>
+            <a:r>
+              <a:rPr lang="de-DE" dirty="0" smtClean="0"/>
+              <a:t>. (</a:t>
+            </a:r>
+            <a:r>
+              <a:rPr lang="de-DE" dirty="0" err="1" smtClean="0"/>
+              <a:t>Blocking</a:t>
+            </a:r>
+            <a:r>
+              <a:rPr lang="de-DE" dirty="0" smtClean="0"/>
+              <a:t>)</a:t>
+            </a:r>
+          </a:p>
+          <a:p>
+            <a:r>
+              <a:rPr lang="de-DE" dirty="0" err="1" smtClean="0"/>
+              <a:t>MPI_Send</a:t>
+            </a:r>
+            <a:r>
+              <a:rPr lang="de-DE" dirty="0"/>
+              <a:t> </a:t>
+            </a:r>
+            <a:r>
+              <a:rPr lang="de-DE" dirty="0" err="1" smtClean="0"/>
+              <a:t>and</a:t>
+            </a:r>
+            <a:r>
+              <a:rPr lang="de-DE" dirty="0" smtClean="0"/>
+              <a:t> </a:t>
+            </a:r>
+            <a:r>
+              <a:rPr lang="de-DE" dirty="0" err="1" smtClean="0"/>
+              <a:t>MPI_Recv</a:t>
+            </a:r>
+            <a:r>
+              <a:rPr lang="de-DE" dirty="0" smtClean="0"/>
+              <a:t> </a:t>
+            </a:r>
+            <a:r>
+              <a:rPr lang="de-DE" dirty="0" err="1" smtClean="0"/>
+              <a:t>are</a:t>
+            </a:r>
+            <a:r>
+              <a:rPr lang="de-DE" dirty="0" smtClean="0"/>
+              <a:t> </a:t>
+            </a:r>
+            <a:r>
+              <a:rPr lang="de-DE" dirty="0" err="1" smtClean="0"/>
+              <a:t>examples</a:t>
+            </a:r>
+            <a:r>
+              <a:rPr lang="de-DE" dirty="0" smtClean="0"/>
+              <a:t> </a:t>
+            </a:r>
+            <a:r>
+              <a:rPr lang="de-DE" dirty="0" err="1" smtClean="0"/>
+              <a:t>of</a:t>
+            </a:r>
+            <a:r>
+              <a:rPr lang="de-DE" dirty="0" smtClean="0"/>
+              <a:t> MPI </a:t>
+            </a:r>
+            <a:r>
+              <a:rPr lang="de-DE" dirty="0" err="1" smtClean="0"/>
+              <a:t>methods</a:t>
+            </a:r>
+            <a:r>
+              <a:rPr lang="de-DE" dirty="0" smtClean="0"/>
+              <a:t> </a:t>
+            </a:r>
+            <a:r>
+              <a:rPr lang="de-DE" dirty="0" err="1" smtClean="0"/>
+              <a:t>used</a:t>
+            </a:r>
+            <a:r>
+              <a:rPr lang="de-DE" dirty="0" smtClean="0"/>
+              <a:t> in </a:t>
+            </a:r>
+            <a:r>
+              <a:rPr lang="de-DE" dirty="0" err="1" smtClean="0"/>
+              <a:t>synchronized</a:t>
+            </a:r>
+            <a:r>
+              <a:rPr lang="de-DE" dirty="0" smtClean="0"/>
+              <a:t> </a:t>
+            </a:r>
+            <a:r>
+              <a:rPr lang="de-DE" dirty="0" err="1" smtClean="0"/>
+              <a:t>communication</a:t>
+            </a:r>
+            <a:r>
+              <a:rPr lang="de-DE" dirty="0" smtClean="0"/>
+              <a:t>.</a:t>
+            </a:r>
+          </a:p>
+          <a:p>
+            <a:r>
+              <a:rPr lang="de-DE" dirty="0" smtClean="0"/>
+              <a:t>Advantages:</a:t>
+            </a:r>
+          </a:p>
+          <a:p>
+            <a:pPr lvl="1"/>
+            <a:r>
+              <a:rPr lang="de-DE" dirty="0" smtClean="0"/>
+              <a:t>Message Sender </a:t>
+            </a:r>
+            <a:r>
+              <a:rPr lang="de-DE" dirty="0" err="1" smtClean="0"/>
+              <a:t>is</a:t>
+            </a:r>
+            <a:r>
+              <a:rPr lang="de-DE" dirty="0" smtClean="0"/>
+              <a:t> 100% </a:t>
+            </a:r>
+            <a:r>
+              <a:rPr lang="de-DE" dirty="0" err="1" smtClean="0"/>
+              <a:t>sure</a:t>
+            </a:r>
+            <a:r>
+              <a:rPr lang="de-DE" dirty="0" smtClean="0"/>
+              <a:t> </a:t>
+            </a:r>
+            <a:r>
+              <a:rPr lang="de-DE" dirty="0" err="1" smtClean="0"/>
+              <a:t>message</a:t>
+            </a:r>
+            <a:r>
+              <a:rPr lang="de-DE" dirty="0" smtClean="0"/>
+              <a:t> was </a:t>
+            </a:r>
+            <a:r>
+              <a:rPr lang="de-DE" dirty="0" err="1" smtClean="0"/>
+              <a:t>received</a:t>
+            </a:r>
+            <a:r>
+              <a:rPr lang="de-DE" dirty="0" smtClean="0"/>
+              <a:t>.</a:t>
+            </a:r>
+          </a:p>
+          <a:p>
+            <a:pPr marL="457200" lvl="1" indent="0">
+              <a:buNone/>
+            </a:pPr>
+            <a:endParaRPr lang="de-DE" dirty="0" smtClean="0"/>
+          </a:p>
+          <a:p>
+            <a:r>
+              <a:rPr lang="de-DE" dirty="0" err="1" smtClean="0"/>
+              <a:t>Disadvantages</a:t>
+            </a:r>
+            <a:r>
+              <a:rPr lang="de-DE" dirty="0" smtClean="0"/>
+              <a:t>:</a:t>
+            </a:r>
+          </a:p>
+          <a:p>
+            <a:pPr lvl="1"/>
+            <a:r>
+              <a:rPr lang="de-DE" dirty="0" err="1" smtClean="0"/>
+              <a:t>Idle</a:t>
+            </a:r>
+            <a:r>
+              <a:rPr lang="de-DE" dirty="0" smtClean="0"/>
+              <a:t> time.</a:t>
+            </a:r>
+          </a:p>
+          <a:p>
+            <a:pPr lvl="1"/>
+            <a:r>
+              <a:rPr lang="de-DE" dirty="0" smtClean="0"/>
+              <a:t>Slow </a:t>
+            </a:r>
+            <a:r>
+              <a:rPr lang="de-DE" dirty="0" err="1" smtClean="0"/>
+              <a:t>program</a:t>
+            </a:r>
+            <a:r>
+              <a:rPr lang="de-DE" dirty="0" smtClean="0"/>
+              <a:t> </a:t>
+            </a:r>
+            <a:r>
+              <a:rPr lang="de-DE" dirty="0" err="1" smtClean="0"/>
+              <a:t>execution</a:t>
+            </a:r>
+            <a:r>
+              <a:rPr lang="de-DE" dirty="0" smtClean="0"/>
+              <a:t>.</a:t>
+            </a:r>
+          </a:p>
+          <a:p>
+            <a:pPr lvl="1"/>
+            <a:endParaRPr lang="de-DE" dirty="0" smtClean="0"/>
+          </a:p>
+          <a:p>
+            <a:pPr lvl="1"/>
             <a:endParaRPr lang="de-DE" dirty="0" smtClean="0"/>
           </a:p>
           <a:p>
@@ -6637,7 +7929,385 @@
     </p:spTree>
     <p:extLst>
       <p:ext uri="{BB962C8B-B14F-4D97-AF65-F5344CB8AC3E}">
-        <p14:creationId xmlns:p14="http://schemas.microsoft.com/office/powerpoint/2010/main" val="847777331"/>
+        <p14:creationId xmlns:p14="http://schemas.microsoft.com/office/powerpoint/2010/main" val="2905774250"/>
+      </p:ext>
+    </p:extLst>
+  </p:cSld>
+  <p:clrMapOvr>
+    <a:masterClrMapping/>
+  </p:clrMapOvr>
+</p:sld>
+</file>
+
+<file path=ppt/slides/slide8.xml><?xml version="1.0" encoding="utf-8"?>
+<p:sld xmlns:a="http://schemas.openxmlformats.org/drawingml/2006/main" xmlns:r="http://schemas.openxmlformats.org/officeDocument/2006/relationships" xmlns:p="http://schemas.openxmlformats.org/presentationml/2006/main">
+  <p:cSld>
+    <p:spTree>
+      <p:nvGrpSpPr>
+        <p:cNvPr id="1" name=""/>
+        <p:cNvGrpSpPr/>
+        <p:nvPr/>
+      </p:nvGrpSpPr>
+      <p:grpSpPr>
+        <a:xfrm>
+          <a:off x="0" y="0"/>
+          <a:ext cx="0" cy="0"/>
+          <a:chOff x="0" y="0"/>
+          <a:chExt cx="0" cy="0"/>
+        </a:xfrm>
+      </p:grpSpPr>
+      <p:sp>
+        <p:nvSpPr>
+          <p:cNvPr id="2" name="Titel 1"/>
+          <p:cNvSpPr>
+            <a:spLocks noGrp="1"/>
+          </p:cNvSpPr>
+          <p:nvPr>
+            <p:ph type="title"/>
+          </p:nvPr>
+        </p:nvSpPr>
+        <p:spPr/>
+        <p:txBody>
+          <a:bodyPr/>
+          <a:lstStyle/>
+          <a:p>
+            <a:r>
+              <a:rPr lang="de-DE" dirty="0" smtClean="0">
+                <a:solidFill>
+                  <a:schemeClr val="tx1">
+                    <a:lumMod val="65000"/>
+                    <a:lumOff val="35000"/>
+                  </a:schemeClr>
+                </a:solidFill>
+              </a:rPr>
+              <a:t>MPI Error Handling</a:t>
+            </a:r>
+            <a:endParaRPr lang="de-DE" dirty="0">
+              <a:solidFill>
+                <a:schemeClr val="tx1">
+                  <a:lumMod val="65000"/>
+                  <a:lumOff val="35000"/>
+                </a:schemeClr>
+              </a:solidFill>
+            </a:endParaRPr>
+          </a:p>
+        </p:txBody>
+      </p:sp>
+      <p:sp>
+        <p:nvSpPr>
+          <p:cNvPr id="3" name="Inhaltsplatzhalter 2"/>
+          <p:cNvSpPr>
+            <a:spLocks noGrp="1"/>
+          </p:cNvSpPr>
+          <p:nvPr>
+            <p:ph idx="1"/>
+          </p:nvPr>
+        </p:nvSpPr>
+        <p:spPr/>
+        <p:txBody>
+          <a:bodyPr/>
+          <a:lstStyle/>
+          <a:p>
+            <a:r>
+              <a:rPr lang="de-DE" dirty="0" err="1" smtClean="0"/>
+              <a:t>Program</a:t>
+            </a:r>
+            <a:r>
+              <a:rPr lang="de-DE" dirty="0" smtClean="0"/>
+              <a:t> </a:t>
+            </a:r>
+            <a:r>
+              <a:rPr lang="de-DE" dirty="0" err="1" smtClean="0"/>
+              <a:t>execution</a:t>
+            </a:r>
+            <a:r>
+              <a:rPr lang="de-DE" dirty="0" smtClean="0"/>
+              <a:t> </a:t>
+            </a:r>
+            <a:r>
+              <a:rPr lang="de-DE" dirty="0" err="1" smtClean="0"/>
+              <a:t>is</a:t>
+            </a:r>
+            <a:r>
+              <a:rPr lang="de-DE" dirty="0" smtClean="0"/>
+              <a:t> </a:t>
+            </a:r>
+            <a:r>
+              <a:rPr lang="de-DE" dirty="0" err="1" smtClean="0"/>
+              <a:t>abortted</a:t>
+            </a:r>
+            <a:r>
+              <a:rPr lang="de-DE" dirty="0" smtClean="0"/>
+              <a:t> </a:t>
+            </a:r>
+            <a:r>
+              <a:rPr lang="de-DE" dirty="0" err="1" smtClean="0"/>
+              <a:t>if</a:t>
+            </a:r>
+            <a:r>
+              <a:rPr lang="de-DE" dirty="0" smtClean="0"/>
+              <a:t> an </a:t>
+            </a:r>
+            <a:r>
+              <a:rPr lang="de-DE" dirty="0" err="1" smtClean="0"/>
+              <a:t>error</a:t>
+            </a:r>
+            <a:r>
+              <a:rPr lang="de-DE" dirty="0" smtClean="0"/>
+              <a:t> </a:t>
+            </a:r>
+            <a:r>
+              <a:rPr lang="de-DE" dirty="0" err="1" smtClean="0"/>
+              <a:t>is</a:t>
+            </a:r>
+            <a:r>
+              <a:rPr lang="de-DE" dirty="0" smtClean="0"/>
+              <a:t> </a:t>
+            </a:r>
+            <a:r>
+              <a:rPr lang="de-DE" dirty="0" err="1" smtClean="0"/>
+              <a:t>encountered</a:t>
+            </a:r>
+            <a:r>
+              <a:rPr lang="de-DE" dirty="0" smtClean="0"/>
+              <a:t> </a:t>
+            </a:r>
+            <a:r>
+              <a:rPr lang="de-DE" dirty="0" err="1" smtClean="0"/>
+              <a:t>by</a:t>
+            </a:r>
+            <a:r>
+              <a:rPr lang="de-DE" dirty="0" smtClean="0"/>
+              <a:t> </a:t>
+            </a:r>
+            <a:r>
+              <a:rPr lang="de-DE" dirty="0" err="1" smtClean="0"/>
+              <a:t>any</a:t>
+            </a:r>
+            <a:r>
+              <a:rPr lang="de-DE" dirty="0" smtClean="0"/>
+              <a:t> </a:t>
+            </a:r>
+            <a:r>
+              <a:rPr lang="de-DE" dirty="0" err="1" smtClean="0"/>
+              <a:t>process</a:t>
+            </a:r>
+            <a:r>
+              <a:rPr lang="de-DE" dirty="0" smtClean="0"/>
+              <a:t>.</a:t>
+            </a:r>
+          </a:p>
+          <a:p>
+            <a:r>
+              <a:rPr lang="de-DE" dirty="0" smtClean="0"/>
+              <a:t>MPI also </a:t>
+            </a:r>
+            <a:r>
+              <a:rPr lang="de-DE" dirty="0" err="1" smtClean="0"/>
+              <a:t>allows</a:t>
+            </a:r>
+            <a:r>
+              <a:rPr lang="de-DE" dirty="0" smtClean="0"/>
+              <a:t> user-</a:t>
+            </a:r>
+            <a:r>
+              <a:rPr lang="de-DE" dirty="0" err="1" smtClean="0"/>
+              <a:t>defined</a:t>
+            </a:r>
+            <a:r>
+              <a:rPr lang="de-DE" dirty="0" smtClean="0"/>
+              <a:t> </a:t>
+            </a:r>
+            <a:r>
+              <a:rPr lang="de-DE" dirty="0" err="1" smtClean="0"/>
+              <a:t>custom</a:t>
+            </a:r>
+            <a:r>
+              <a:rPr lang="de-DE" dirty="0" smtClean="0"/>
+              <a:t> </a:t>
+            </a:r>
+            <a:r>
+              <a:rPr lang="de-DE" dirty="0" err="1" smtClean="0"/>
+              <a:t>error</a:t>
+            </a:r>
+            <a:r>
+              <a:rPr lang="de-DE" dirty="0" smtClean="0"/>
+              <a:t> </a:t>
+            </a:r>
+            <a:r>
+              <a:rPr lang="de-DE" dirty="0" err="1" smtClean="0"/>
+              <a:t>handling</a:t>
+            </a:r>
+            <a:r>
+              <a:rPr lang="de-DE" dirty="0" smtClean="0"/>
+              <a:t> </a:t>
+            </a:r>
+            <a:r>
+              <a:rPr lang="de-DE" dirty="0" err="1" smtClean="0"/>
+              <a:t>response</a:t>
+            </a:r>
+            <a:r>
+              <a:rPr lang="de-DE" dirty="0" smtClean="0"/>
+              <a:t>.</a:t>
+            </a:r>
+          </a:p>
+          <a:p>
+            <a:r>
+              <a:rPr lang="de-DE" dirty="0" smtClean="0"/>
+              <a:t>User </a:t>
+            </a:r>
+            <a:r>
+              <a:rPr lang="de-DE" dirty="0" err="1" smtClean="0"/>
+              <a:t>can</a:t>
+            </a:r>
+            <a:r>
+              <a:rPr lang="de-DE" dirty="0" smtClean="0"/>
+              <a:t> </a:t>
+            </a:r>
+            <a:r>
+              <a:rPr lang="de-DE" dirty="0" err="1" smtClean="0"/>
+              <a:t>make</a:t>
+            </a:r>
+            <a:r>
+              <a:rPr lang="de-DE" dirty="0" smtClean="0"/>
+              <a:t> </a:t>
+            </a:r>
+            <a:r>
+              <a:rPr lang="de-DE" dirty="0" err="1" smtClean="0"/>
+              <a:t>routines</a:t>
+            </a:r>
+            <a:r>
+              <a:rPr lang="de-DE" dirty="0" smtClean="0"/>
+              <a:t> </a:t>
+            </a:r>
+            <a:r>
+              <a:rPr lang="de-DE" dirty="0" err="1" smtClean="0"/>
+              <a:t>return</a:t>
+            </a:r>
+            <a:r>
+              <a:rPr lang="de-DE" dirty="0" smtClean="0"/>
+              <a:t> </a:t>
+            </a:r>
+            <a:r>
+              <a:rPr lang="de-DE" dirty="0" err="1" smtClean="0"/>
+              <a:t>error</a:t>
+            </a:r>
+            <a:r>
+              <a:rPr lang="de-DE" dirty="0" smtClean="0"/>
+              <a:t> </a:t>
+            </a:r>
+            <a:r>
+              <a:rPr lang="de-DE" dirty="0" err="1" smtClean="0"/>
+              <a:t>code</a:t>
+            </a:r>
+            <a:r>
+              <a:rPr lang="de-DE" dirty="0" smtClean="0"/>
+              <a:t>.</a:t>
+            </a:r>
+            <a:endParaRPr lang="de-DE" dirty="0"/>
+          </a:p>
+        </p:txBody>
+      </p:sp>
+    </p:spTree>
+    <p:extLst>
+      <p:ext uri="{BB962C8B-B14F-4D97-AF65-F5344CB8AC3E}">
+        <p14:creationId xmlns:p14="http://schemas.microsoft.com/office/powerpoint/2010/main" val="808463506"/>
+      </p:ext>
+    </p:extLst>
+  </p:cSld>
+  <p:clrMapOvr>
+    <a:masterClrMapping/>
+  </p:clrMapOvr>
+</p:sld>
+</file>
+
+<file path=ppt/slides/slide9.xml><?xml version="1.0" encoding="utf-8"?>
+<p:sld xmlns:a="http://schemas.openxmlformats.org/drawingml/2006/main" xmlns:r="http://schemas.openxmlformats.org/officeDocument/2006/relationships" xmlns:p="http://schemas.openxmlformats.org/presentationml/2006/main">
+  <p:cSld>
+    <p:spTree>
+      <p:nvGrpSpPr>
+        <p:cNvPr id="1" name=""/>
+        <p:cNvGrpSpPr/>
+        <p:nvPr/>
+      </p:nvGrpSpPr>
+      <p:grpSpPr>
+        <a:xfrm>
+          <a:off x="0" y="0"/>
+          <a:ext cx="0" cy="0"/>
+          <a:chOff x="0" y="0"/>
+          <a:chExt cx="0" cy="0"/>
+        </a:xfrm>
+      </p:grpSpPr>
+      <p:sp>
+        <p:nvSpPr>
+          <p:cNvPr id="2" name="Titel 1"/>
+          <p:cNvSpPr>
+            <a:spLocks noGrp="1"/>
+          </p:cNvSpPr>
+          <p:nvPr>
+            <p:ph type="title"/>
+          </p:nvPr>
+        </p:nvSpPr>
+        <p:spPr/>
+        <p:txBody>
+          <a:bodyPr/>
+          <a:lstStyle/>
+          <a:p>
+            <a:r>
+              <a:rPr lang="de-DE" dirty="0" err="1" smtClean="0">
+                <a:solidFill>
+                  <a:srgbClr val="595959"/>
+                </a:solidFill>
+              </a:rPr>
+              <a:t>Conjugate</a:t>
+            </a:r>
+            <a:r>
+              <a:rPr lang="de-DE" dirty="0" smtClean="0">
+                <a:solidFill>
+                  <a:srgbClr val="595959"/>
+                </a:solidFill>
+              </a:rPr>
+              <a:t> Gradient </a:t>
+            </a:r>
+            <a:r>
+              <a:rPr lang="de-DE" dirty="0" err="1" smtClean="0">
+                <a:solidFill>
+                  <a:srgbClr val="595959"/>
+                </a:solidFill>
+              </a:rPr>
+              <a:t>Method</a:t>
+            </a:r>
+            <a:endParaRPr lang="de-DE" dirty="0">
+              <a:solidFill>
+                <a:srgbClr val="595959"/>
+              </a:solidFill>
+            </a:endParaRPr>
+          </a:p>
+        </p:txBody>
+      </p:sp>
+      <p:sp>
+        <p:nvSpPr>
+          <p:cNvPr id="3" name="Inhaltsplatzhalter 2"/>
+          <p:cNvSpPr>
+            <a:spLocks noGrp="1"/>
+          </p:cNvSpPr>
+          <p:nvPr>
+            <p:ph idx="1"/>
+          </p:nvPr>
+        </p:nvSpPr>
+        <p:spPr/>
+        <p:txBody>
+          <a:bodyPr/>
+          <a:lstStyle/>
+          <a:p>
+            <a:endParaRPr lang="de-DE" dirty="0"/>
+          </a:p>
+        </p:txBody>
+      </p:sp>
+    </p:spTree>
+    <p:extLst>
+      <p:ext uri="{BB962C8B-B14F-4D97-AF65-F5344CB8AC3E}">
+        <p14:creationId xmlns:p14="http://schemas.microsoft.com/office/powerpoint/2010/main" val="2467429919"/>
       </p:ext>
     </p:extLst>
   </p:cSld>
@@ -6690,7 +8360,7 @@
     </a:clrScheme>
     <a:fontScheme name="Facet">
       <a:majorFont>
-        <a:latin typeface="Trebuchet MS" panose="020B0603020202020204"/>
+        <a:latin typeface="Trebuchet MS"/>
         <a:ea typeface=""/>
         <a:cs typeface=""/>
         <a:font script="Jpan" typeface="メイリオ"/>
@@ -6725,7 +8395,7 @@
         <a:font script="Geor" typeface="Sylfaen"/>
       </a:majorFont>
       <a:minorFont>
-        <a:latin typeface="Trebuchet MS" panose="020B0603020202020204"/>
+        <a:latin typeface="Trebuchet MS"/>
         <a:ea typeface=""/>
         <a:cs typeface=""/>
         <a:font script="Jpan" typeface="メイリオ"/>
@@ -6898,7 +8568,7 @@
   <a:extraClrSchemeLst/>
   <a:extLst>
     <a:ext uri="{05A4C25C-085E-4340-85A3-A5531E510DB2}">
-      <thm15:themeFamily xmlns:thm15="http://schemas.microsoft.com/office/thememl/2012/main" name="Facet" id="{C0C680CD-088A-49FC-A102-D699147F32B2}" vid="{CFBC31BA-B70F-4F30-BCAA-4F3011E16C4D}"/>
+      <thm15:themeFamily xmlns:thm15="http://schemas.microsoft.com/office/thememl/2012/main" xmlns="" name="Facet" id="{C0C680CD-088A-49FC-A102-D699147F32B2}" vid="{CFBC31BA-B70F-4F30-BCAA-4F3011E16C4D}"/>
     </a:ext>
   </a:extLst>
 </a:theme>

--- a/presentattion.pptx
+++ b/presentattion.pptx
@@ -13,9 +13,12 @@
     <p:sldId id="262" r:id="rId7"/>
     <p:sldId id="263" r:id="rId8"/>
     <p:sldId id="264" r:id="rId9"/>
-    <p:sldId id="265" r:id="rId10"/>
-    <p:sldId id="266" r:id="rId11"/>
-    <p:sldId id="260" r:id="rId12"/>
+    <p:sldId id="266" r:id="rId10"/>
+    <p:sldId id="267" r:id="rId11"/>
+    <p:sldId id="268" r:id="rId12"/>
+    <p:sldId id="269" r:id="rId13"/>
+    <p:sldId id="270" r:id="rId14"/>
+    <p:sldId id="260" r:id="rId15"/>
   </p:sldIdLst>
   <p:sldSz cx="12192000" cy="6858000"/>
   <p:notesSz cx="6858000" cy="9144000"/>
@@ -116,7 +119,18 @@
   </p:defaultTextStyle>
   <p:extLst>
     <p:ext uri="{EFAFB233-063F-42B5-8137-9DF3F51BA10A}">
-      <p15:sldGuideLst xmlns:p15="http://schemas.microsoft.com/office/powerpoint/2012/main" xmlns=""/>
+      <p15:sldGuideLst xmlns:p15="http://schemas.microsoft.com/office/powerpoint/2012/main">
+        <p15:guide id="1" orient="horz" pos="2160">
+          <p15:clr>
+            <a:srgbClr val="A4A3A4"/>
+          </p15:clr>
+        </p15:guide>
+        <p15:guide id="2" pos="3840">
+          <p15:clr>
+            <a:srgbClr val="A4A3A4"/>
+          </p15:clr>
+        </p15:guide>
+      </p15:sldGuideLst>
     </p:ext>
   </p:extLst>
 </p:presentation>
@@ -845,7 +859,7 @@
             <a:fld id="{B61BEF0D-F0BB-DE4B-95CE-6DB70DBA9567}" type="datetimeFigureOut">
               <a:rPr lang="en-US" dirty="0"/>
               <a:pPr/>
-              <a:t>08.02.17</a:t>
+              <a:t>2/9/2017</a:t>
             </a:fld>
             <a:endParaRPr lang="en-US" dirty="0"/>
           </a:p>
@@ -1093,7 +1107,7 @@
             <a:fld id="{B61BEF0D-F0BB-DE4B-95CE-6DB70DBA9567}" type="datetimeFigureOut">
               <a:rPr lang="en-US" dirty="0"/>
               <a:pPr/>
-              <a:t>08.02.17</a:t>
+              <a:t>2/9/2017</a:t>
             </a:fld>
             <a:endParaRPr lang="en-US" dirty="0"/>
           </a:p>
@@ -1404,7 +1418,7 @@
             <a:fld id="{B61BEF0D-F0BB-DE4B-95CE-6DB70DBA9567}" type="datetimeFigureOut">
               <a:rPr lang="en-US" dirty="0"/>
               <a:pPr/>
-              <a:t>08.02.17</a:t>
+              <a:t>2/9/2017</a:t>
             </a:fld>
             <a:endParaRPr lang="en-US" dirty="0"/>
           </a:p>
@@ -1742,7 +1756,7 @@
             <a:fld id="{B61BEF0D-F0BB-DE4B-95CE-6DB70DBA9567}" type="datetimeFigureOut">
               <a:rPr lang="en-US" dirty="0"/>
               <a:pPr/>
-              <a:t>08.02.17</a:t>
+              <a:t>2/9/2017</a:t>
             </a:fld>
             <a:endParaRPr lang="en-US" dirty="0"/>
           </a:p>
@@ -2053,7 +2067,7 @@
             <a:fld id="{B61BEF0D-F0BB-DE4B-95CE-6DB70DBA9567}" type="datetimeFigureOut">
               <a:rPr lang="en-US" dirty="0"/>
               <a:pPr/>
-              <a:t>08.02.17</a:t>
+              <a:t>2/9/2017</a:t>
             </a:fld>
             <a:endParaRPr lang="en-US" dirty="0"/>
           </a:p>
@@ -2443,7 +2457,7 @@
             <a:fld id="{B61BEF0D-F0BB-DE4B-95CE-6DB70DBA9567}" type="datetimeFigureOut">
               <a:rPr lang="en-US" dirty="0"/>
               <a:pPr/>
-              <a:t>08.02.17</a:t>
+              <a:t>2/9/2017</a:t>
             </a:fld>
             <a:endParaRPr lang="en-US" dirty="0"/>
           </a:p>
@@ -2609,7 +2623,7 @@
           <a:p>
             <a:fld id="{55C6B4A9-1611-4792-9094-5F34BCA07E0B}" type="datetimeFigureOut">
               <a:rPr lang="en-US" dirty="0"/>
-              <a:t>08.02.17</a:t>
+              <a:t>2/9/2017</a:t>
             </a:fld>
             <a:endParaRPr lang="en-US" dirty="0"/>
           </a:p>
@@ -2785,7 +2799,7 @@
             <a:fld id="{B61BEF0D-F0BB-DE4B-95CE-6DB70DBA9567}" type="datetimeFigureOut">
               <a:rPr lang="en-US" dirty="0"/>
               <a:pPr/>
-              <a:t>08.02.17</a:t>
+              <a:t>2/9/2017</a:t>
             </a:fld>
             <a:endParaRPr lang="en-US" dirty="0"/>
           </a:p>
@@ -2958,7 +2972,7 @@
             <a:fld id="{B61BEF0D-F0BB-DE4B-95CE-6DB70DBA9567}" type="datetimeFigureOut">
               <a:rPr lang="en-US" dirty="0"/>
               <a:pPr/>
-              <a:t>08.02.17</a:t>
+              <a:t>2/9/2017</a:t>
             </a:fld>
             <a:endParaRPr lang="en-US" dirty="0"/>
           </a:p>
@@ -3202,7 +3216,7 @@
             <a:fld id="{B61BEF0D-F0BB-DE4B-95CE-6DB70DBA9567}" type="datetimeFigureOut">
               <a:rPr lang="en-US" dirty="0"/>
               <a:pPr/>
-              <a:t>08.02.17</a:t>
+              <a:t>2/9/2017</a:t>
             </a:fld>
             <a:endParaRPr lang="en-US" dirty="0"/>
           </a:p>
@@ -3430,7 +3444,7 @@
           <a:p>
             <a:fld id="{EB712588-04B1-427B-82EE-E8DB90309F08}" type="datetimeFigureOut">
               <a:rPr lang="en-US" dirty="0"/>
-              <a:t>08.02.17</a:t>
+              <a:t>2/9/2017</a:t>
             </a:fld>
             <a:endParaRPr lang="en-US" dirty="0"/>
           </a:p>
@@ -3800,7 +3814,7 @@
             <a:fld id="{B61BEF0D-F0BB-DE4B-95CE-6DB70DBA9567}" type="datetimeFigureOut">
               <a:rPr lang="en-US" dirty="0"/>
               <a:pPr/>
-              <a:t>08.02.17</a:t>
+              <a:t>2/9/2017</a:t>
             </a:fld>
             <a:endParaRPr lang="en-US" dirty="0"/>
           </a:p>
@@ -3920,7 +3934,7 @@
             <a:fld id="{B61BEF0D-F0BB-DE4B-95CE-6DB70DBA9567}" type="datetimeFigureOut">
               <a:rPr lang="en-US" dirty="0"/>
               <a:pPr/>
-              <a:t>08.02.17</a:t>
+              <a:t>2/9/2017</a:t>
             </a:fld>
             <a:endParaRPr lang="en-US" dirty="0"/>
           </a:p>
@@ -4012,7 +4026,7 @@
             <a:fld id="{B61BEF0D-F0BB-DE4B-95CE-6DB70DBA9567}" type="datetimeFigureOut">
               <a:rPr lang="en-US" dirty="0"/>
               <a:pPr/>
-              <a:t>08.02.17</a:t>
+              <a:t>2/9/2017</a:t>
             </a:fld>
             <a:endParaRPr lang="en-US" dirty="0"/>
           </a:p>
@@ -4263,7 +4277,7 @@
           <a:p>
             <a:fld id="{42A54C80-263E-416B-A8E0-580EDEADCBDC}" type="datetimeFigureOut">
               <a:rPr lang="en-US" dirty="0"/>
-              <a:t>08.02.17</a:t>
+              <a:t>2/9/2017</a:t>
             </a:fld>
             <a:endParaRPr lang="en-US" dirty="0"/>
           </a:p>
@@ -4522,7 +4536,7 @@
             <a:fld id="{B61BEF0D-F0BB-DE4B-95CE-6DB70DBA9567}" type="datetimeFigureOut">
               <a:rPr lang="en-US" dirty="0"/>
               <a:pPr/>
-              <a:t>08.02.17</a:t>
+              <a:t>2/9/2017</a:t>
             </a:fld>
             <a:endParaRPr lang="en-US" dirty="0"/>
           </a:p>
@@ -5262,7 +5276,7 @@
             <a:fld id="{B61BEF0D-F0BB-DE4B-95CE-6DB70DBA9567}" type="datetimeFigureOut">
               <a:rPr lang="en-US" dirty="0"/>
               <a:pPr/>
-              <a:t>08.02.17</a:t>
+              <a:t>2/9/2017</a:t>
             </a:fld>
             <a:endParaRPr lang="en-US" dirty="0"/>
           </a:p>
@@ -5957,32 +5971,44 @@
           <a:lstStyle/>
           <a:p>
             <a:r>
+              <a:rPr lang="de-DE" dirty="0" smtClean="0">
+                <a:solidFill>
+                  <a:schemeClr val="tx1">
+                    <a:lumMod val="65000"/>
+                    <a:lumOff val="35000"/>
+                  </a:schemeClr>
+                </a:solidFill>
+              </a:rPr>
+              <a:t>Point-</a:t>
+            </a:r>
+            <a:r>
               <a:rPr lang="de-DE" dirty="0" err="1" smtClean="0">
                 <a:solidFill>
-                  <a:srgbClr val="595959"/>
+                  <a:schemeClr val="tx1">
+                    <a:lumMod val="65000"/>
+                    <a:lumOff val="35000"/>
+                  </a:schemeClr>
                 </a:solidFill>
               </a:rPr>
-              <a:t>Conjugate</a:t>
+              <a:t>to</a:t>
             </a:r>
             <a:r>
               <a:rPr lang="de-DE" dirty="0" smtClean="0">
                 <a:solidFill>
-                  <a:srgbClr val="595959"/>
+                  <a:schemeClr val="tx1">
+                    <a:lumMod val="65000"/>
+                    <a:lumOff val="35000"/>
+                  </a:schemeClr>
                 </a:solidFill>
               </a:rPr>
-              <a:t> Gradient </a:t>
-            </a:r>
-            <a:r>
-              <a:rPr lang="de-DE" dirty="0" err="1" smtClean="0">
-                <a:solidFill>
-                  <a:srgbClr val="595959"/>
-                </a:solidFill>
-              </a:rPr>
-              <a:t>Method</a:t>
+              <a:t>-Point Implementation</a:t>
             </a:r>
             <a:endParaRPr lang="de-DE" dirty="0">
               <a:solidFill>
-                <a:srgbClr val="595959"/>
+                <a:schemeClr val="tx1">
+                  <a:lumMod val="65000"/>
+                  <a:lumOff val="35000"/>
+                </a:schemeClr>
               </a:solidFill>
             </a:endParaRPr>
           </a:p>
@@ -6004,84 +6030,48 @@
           <a:lstStyle/>
           <a:p>
             <a:r>
-              <a:rPr lang="de-DE" dirty="0" err="1" smtClean="0"/>
-              <a:t>Consider</a:t>
-            </a:r>
-            <a:r>
-              <a:rPr lang="de-DE" dirty="0" smtClean="0"/>
-              <a:t> :</a:t>
-            </a:r>
-          </a:p>
-          <a:p>
-            <a:r>
-              <a:rPr lang="de-DE" i="1" dirty="0" smtClean="0"/>
-              <a:t>F(x) = 0.5*</a:t>
-            </a:r>
-            <a:r>
-              <a:rPr lang="de-DE" i="1" dirty="0" err="1" smtClean="0"/>
-              <a:t>x</a:t>
-            </a:r>
-            <a:r>
-              <a:rPr lang="de-DE" i="1" baseline="30000" dirty="0" err="1" smtClean="0"/>
-              <a:t>T</a:t>
-            </a:r>
-            <a:r>
-              <a:rPr lang="de-DE" i="1" dirty="0" err="1" smtClean="0"/>
-              <a:t>A</a:t>
-            </a:r>
-            <a:r>
-              <a:rPr lang="de-DE" i="1" dirty="0" smtClean="0"/>
-              <a:t>*x – </a:t>
-            </a:r>
-            <a:r>
-              <a:rPr lang="de-DE" i="1" dirty="0" err="1" smtClean="0"/>
-              <a:t>b</a:t>
-            </a:r>
-            <a:r>
-              <a:rPr lang="de-DE" i="1" baseline="30000" dirty="0" err="1" smtClean="0"/>
-              <a:t>T</a:t>
-            </a:r>
-            <a:r>
-              <a:rPr lang="de-DE" i="1" dirty="0" smtClean="0"/>
-              <a:t>*x + c </a:t>
-            </a:r>
-          </a:p>
-          <a:p>
-            <a:r>
-              <a:rPr lang="de-DE" dirty="0" err="1" smtClean="0"/>
-              <a:t>Minimizing</a:t>
-            </a:r>
-            <a:r>
-              <a:rPr lang="de-DE" dirty="0" smtClean="0"/>
-              <a:t> F(x) </a:t>
-            </a:r>
-            <a:r>
-              <a:rPr lang="de-DE" dirty="0" err="1" smtClean="0"/>
-              <a:t>gives</a:t>
-            </a:r>
-            <a:r>
-              <a:rPr lang="de-DE" dirty="0" smtClean="0"/>
-              <a:t>:</a:t>
-            </a:r>
-          </a:p>
-          <a:p>
-            <a:r>
-              <a:rPr lang="de-DE" dirty="0" smtClean="0"/>
-              <a:t>0 = </a:t>
-            </a:r>
-            <a:r>
-              <a:rPr lang="de-DE" i="1" dirty="0" err="1" smtClean="0"/>
-              <a:t>dy</a:t>
-            </a:r>
-            <a:r>
-              <a:rPr lang="de-DE" i="1" dirty="0" smtClean="0"/>
-              <a:t>/dx F(x) = A*x – b</a:t>
-            </a:r>
-          </a:p>
-          <a:p>
-            <a:r>
-              <a:rPr lang="de-DE" i="1" dirty="0" smtClean="0"/>
-              <a:t>A*x = b </a:t>
+              <a:rPr lang="de-DE" dirty="0" smtClean="0"/>
+              <a:t>A </a:t>
+            </a:r>
+            <a:r>
+              <a:rPr lang="de-DE" dirty="0" err="1" smtClean="0"/>
+              <a:t>copy</a:t>
+            </a:r>
+            <a:r>
+              <a:rPr lang="de-DE" dirty="0" smtClean="0"/>
+              <a:t> </a:t>
+            </a:r>
+            <a:r>
+              <a:rPr lang="de-DE" dirty="0" err="1" smtClean="0"/>
+              <a:t>of</a:t>
+            </a:r>
+            <a:r>
+              <a:rPr lang="de-DE" dirty="0" smtClean="0"/>
+              <a:t> </a:t>
+            </a:r>
+            <a:r>
+              <a:rPr lang="de-DE" dirty="0" err="1" smtClean="0"/>
+              <a:t>the</a:t>
+            </a:r>
+            <a:r>
+              <a:rPr lang="de-DE" dirty="0" smtClean="0"/>
+              <a:t> </a:t>
+            </a:r>
+            <a:r>
+              <a:rPr lang="de-DE" dirty="0" err="1" smtClean="0"/>
+              <a:t>unknown</a:t>
+            </a:r>
+            <a:r>
+              <a:rPr lang="de-DE" dirty="0" smtClean="0"/>
+              <a:t> </a:t>
+            </a:r>
+            <a:r>
+              <a:rPr lang="de-DE" dirty="0" err="1" smtClean="0"/>
+              <a:t>vector</a:t>
+            </a:r>
+            <a:r>
+              <a:rPr lang="de-DE" dirty="0" smtClean="0"/>
+              <a:t> X </a:t>
             </a:r>
             <a:r>
               <a:rPr lang="de-DE" dirty="0" err="1" smtClean="0"/>
@@ -6089,11 +6079,53 @@
             </a:r>
             <a:r>
               <a:rPr lang="de-DE" dirty="0" smtClean="0"/>
-              <a:t> a linear </a:t>
-            </a:r>
-            <a:r>
-              <a:rPr lang="de-DE" dirty="0" err="1" smtClean="0"/>
-              <a:t>system</a:t>
+              <a:t> </a:t>
+            </a:r>
+            <a:r>
+              <a:rPr lang="de-DE" dirty="0" err="1" smtClean="0"/>
+              <a:t>sent</a:t>
+            </a:r>
+            <a:r>
+              <a:rPr lang="de-DE" dirty="0" smtClean="0"/>
+              <a:t> </a:t>
+            </a:r>
+            <a:r>
+              <a:rPr lang="de-DE" dirty="0" err="1" smtClean="0"/>
+              <a:t>to</a:t>
+            </a:r>
+            <a:r>
+              <a:rPr lang="de-DE" dirty="0" smtClean="0"/>
+              <a:t> </a:t>
+            </a:r>
+            <a:r>
+              <a:rPr lang="de-DE" dirty="0" err="1" smtClean="0"/>
+              <a:t>every</a:t>
+            </a:r>
+            <a:r>
+              <a:rPr lang="de-DE" dirty="0" smtClean="0"/>
+              <a:t> </a:t>
+            </a:r>
+            <a:r>
+              <a:rPr lang="de-DE" dirty="0" err="1" smtClean="0"/>
+              <a:t>process</a:t>
+            </a:r>
+            <a:r>
+              <a:rPr lang="de-DE" dirty="0" smtClean="0"/>
+              <a:t>.</a:t>
+            </a:r>
+          </a:p>
+          <a:p>
+            <a:r>
+              <a:rPr lang="de-DE" dirty="0" err="1" smtClean="0"/>
+              <a:t>Some</a:t>
+            </a:r>
+            <a:r>
+              <a:rPr lang="de-DE" dirty="0" smtClean="0"/>
+              <a:t> </a:t>
+            </a:r>
+            <a:r>
+              <a:rPr lang="de-DE" dirty="0" err="1" smtClean="0"/>
+              <a:t>rows</a:t>
             </a:r>
             <a:r>
               <a:rPr lang="de-DE" dirty="0" smtClean="0"/>
@@ -6109,13 +6141,225 @@
             </a:r>
             <a:r>
               <a:rPr lang="de-DE" dirty="0" err="1" smtClean="0"/>
-              <a:t>equation</a:t>
+              <a:t>matrix</a:t>
+            </a:r>
+            <a:r>
+              <a:rPr lang="de-DE" dirty="0" smtClean="0"/>
+              <a:t> A </a:t>
+            </a:r>
+            <a:r>
+              <a:rPr lang="de-DE" dirty="0" err="1" smtClean="0"/>
+              <a:t>and</a:t>
+            </a:r>
+            <a:r>
+              <a:rPr lang="de-DE" dirty="0" smtClean="0"/>
+              <a:t> </a:t>
+            </a:r>
+            <a:r>
+              <a:rPr lang="de-DE" dirty="0" err="1" smtClean="0"/>
+              <a:t>vector</a:t>
+            </a:r>
+            <a:r>
+              <a:rPr lang="de-DE" dirty="0" smtClean="0"/>
+              <a:t> b </a:t>
+            </a:r>
+            <a:r>
+              <a:rPr lang="de-DE" dirty="0" err="1" smtClean="0"/>
+              <a:t>is</a:t>
+            </a:r>
+            <a:r>
+              <a:rPr lang="de-DE" dirty="0" smtClean="0"/>
+              <a:t> </a:t>
+            </a:r>
+            <a:r>
+              <a:rPr lang="de-DE" dirty="0" err="1" smtClean="0"/>
+              <a:t>given</a:t>
+            </a:r>
+            <a:r>
+              <a:rPr lang="de-DE" dirty="0" smtClean="0"/>
+              <a:t> </a:t>
+            </a:r>
+            <a:r>
+              <a:rPr lang="de-DE" dirty="0" err="1" smtClean="0"/>
+              <a:t>to</a:t>
+            </a:r>
+            <a:r>
+              <a:rPr lang="de-DE" dirty="0" smtClean="0"/>
+              <a:t> </a:t>
+            </a:r>
+            <a:r>
+              <a:rPr lang="de-DE" dirty="0" err="1" smtClean="0"/>
+              <a:t>each</a:t>
+            </a:r>
+            <a:r>
+              <a:rPr lang="de-DE" dirty="0" smtClean="0"/>
+              <a:t> </a:t>
+            </a:r>
+            <a:r>
+              <a:rPr lang="de-DE" dirty="0" err="1" smtClean="0"/>
+              <a:t>process</a:t>
             </a:r>
             <a:r>
               <a:rPr lang="de-DE" dirty="0" smtClean="0"/>
               <a:t>.</a:t>
             </a:r>
-            <a:endParaRPr lang="de-DE" i="1" dirty="0" smtClean="0"/>
+          </a:p>
+          <a:p>
+            <a:r>
+              <a:rPr lang="de-DE" dirty="0" smtClean="0"/>
+              <a:t>All </a:t>
+            </a:r>
+            <a:r>
+              <a:rPr lang="de-DE" dirty="0" err="1" smtClean="0"/>
+              <a:t>processes</a:t>
+            </a:r>
+            <a:r>
+              <a:rPr lang="de-DE" dirty="0" smtClean="0"/>
+              <a:t> </a:t>
+            </a:r>
+            <a:r>
+              <a:rPr lang="de-DE" dirty="0" err="1" smtClean="0"/>
+              <a:t>communicate</a:t>
+            </a:r>
+            <a:r>
+              <a:rPr lang="de-DE" dirty="0" smtClean="0"/>
+              <a:t> </a:t>
+            </a:r>
+            <a:r>
+              <a:rPr lang="de-DE" dirty="0" err="1" smtClean="0"/>
+              <a:t>for</a:t>
+            </a:r>
+            <a:r>
+              <a:rPr lang="de-DE" dirty="0" smtClean="0"/>
+              <a:t> </a:t>
+            </a:r>
+            <a:r>
+              <a:rPr lang="de-DE" dirty="0" err="1" smtClean="0"/>
+              <a:t>the</a:t>
+            </a:r>
+            <a:r>
+              <a:rPr lang="de-DE" dirty="0" smtClean="0"/>
+              <a:t> </a:t>
+            </a:r>
+            <a:r>
+              <a:rPr lang="de-DE" dirty="0" err="1" smtClean="0"/>
+              <a:t>other</a:t>
+            </a:r>
+            <a:r>
+              <a:rPr lang="de-DE" dirty="0" smtClean="0"/>
+              <a:t> </a:t>
+            </a:r>
+            <a:r>
+              <a:rPr lang="de-DE" dirty="0" err="1" smtClean="0"/>
+              <a:t>rows</a:t>
+            </a:r>
+            <a:r>
+              <a:rPr lang="de-DE" dirty="0" smtClean="0"/>
+              <a:t> </a:t>
+            </a:r>
+            <a:r>
+              <a:rPr lang="de-DE" dirty="0" err="1" smtClean="0"/>
+              <a:t>of</a:t>
+            </a:r>
+            <a:r>
+              <a:rPr lang="de-DE" dirty="0" smtClean="0"/>
+              <a:t> </a:t>
+            </a:r>
+            <a:r>
+              <a:rPr lang="de-DE" dirty="0" err="1" smtClean="0"/>
+              <a:t>matrix</a:t>
+            </a:r>
+            <a:r>
+              <a:rPr lang="de-DE" dirty="0" smtClean="0"/>
+              <a:t> A </a:t>
+            </a:r>
+            <a:r>
+              <a:rPr lang="de-DE" dirty="0" err="1" smtClean="0"/>
+              <a:t>and</a:t>
+            </a:r>
+            <a:r>
+              <a:rPr lang="de-DE" dirty="0" smtClean="0"/>
+              <a:t> </a:t>
+            </a:r>
+            <a:r>
+              <a:rPr lang="de-DE" dirty="0" err="1" smtClean="0"/>
+              <a:t>vector</a:t>
+            </a:r>
+            <a:r>
+              <a:rPr lang="de-DE" dirty="0" smtClean="0"/>
+              <a:t> b </a:t>
+            </a:r>
+            <a:r>
+              <a:rPr lang="de-DE" dirty="0" err="1" smtClean="0"/>
+              <a:t>to</a:t>
+            </a:r>
+            <a:r>
+              <a:rPr lang="de-DE" dirty="0" smtClean="0"/>
+              <a:t> </a:t>
+            </a:r>
+            <a:r>
+              <a:rPr lang="de-DE" dirty="0" err="1" smtClean="0"/>
+              <a:t>perform</a:t>
+            </a:r>
+            <a:r>
+              <a:rPr lang="de-DE" dirty="0"/>
+              <a:t> </a:t>
+            </a:r>
+            <a:r>
+              <a:rPr lang="de-DE" dirty="0" smtClean="0"/>
+              <a:t>a matrix-</a:t>
+            </a:r>
+            <a:r>
+              <a:rPr lang="de-DE" dirty="0" err="1" smtClean="0"/>
+              <a:t>vector</a:t>
+            </a:r>
+            <a:r>
+              <a:rPr lang="de-DE" dirty="0" smtClean="0"/>
+              <a:t> </a:t>
+            </a:r>
+            <a:r>
+              <a:rPr lang="de-DE" dirty="0" err="1" smtClean="0"/>
+              <a:t>multiplication</a:t>
+            </a:r>
+            <a:r>
+              <a:rPr lang="de-DE" dirty="0" smtClean="0"/>
+              <a:t> </a:t>
+            </a:r>
+            <a:r>
+              <a:rPr lang="de-DE" dirty="0" err="1" smtClean="0"/>
+              <a:t>using</a:t>
+            </a:r>
+            <a:r>
+              <a:rPr lang="de-DE" dirty="0" smtClean="0"/>
+              <a:t> </a:t>
+            </a:r>
+            <a:r>
+              <a:rPr lang="de-DE" dirty="0" err="1" smtClean="0"/>
+              <a:t>MPI_Send</a:t>
+            </a:r>
+            <a:r>
+              <a:rPr lang="de-DE" dirty="0" smtClean="0"/>
+              <a:t> </a:t>
+            </a:r>
+            <a:r>
+              <a:rPr lang="de-DE" dirty="0" err="1" smtClean="0"/>
+              <a:t>and</a:t>
+            </a:r>
+            <a:r>
+              <a:rPr lang="de-DE" dirty="0" smtClean="0"/>
+              <a:t> </a:t>
+            </a:r>
+            <a:r>
+              <a:rPr lang="de-DE" dirty="0" err="1" smtClean="0"/>
+              <a:t>MPI_Recv</a:t>
+            </a:r>
+            <a:r>
+              <a:rPr lang="de-DE" dirty="0" smtClean="0"/>
+              <a:t>.</a:t>
+            </a:r>
+          </a:p>
+          <a:p>
+            <a:endParaRPr lang="de-DE" dirty="0" smtClean="0"/>
           </a:p>
           <a:p>
             <a:endParaRPr lang="de-DE" dirty="0"/>
@@ -6125,7 +6369,7 @@
     </p:spTree>
     <p:extLst>
       <p:ext uri="{BB962C8B-B14F-4D97-AF65-F5344CB8AC3E}">
-        <p14:creationId xmlns:p14="http://schemas.microsoft.com/office/powerpoint/2010/main" val="1636610261"/>
+        <p14:creationId xmlns:p14="http://schemas.microsoft.com/office/powerpoint/2010/main" val="4051487058"/>
       </p:ext>
     </p:extLst>
   </p:cSld>
@@ -6176,7 +6420,7 @@
                   </a:schemeClr>
                 </a:solidFill>
               </a:rPr>
-              <a:t>References</a:t>
+              <a:t>Collective Implementation</a:t>
             </a:r>
             <a:endParaRPr lang="de-DE" dirty="0">
               <a:solidFill>
@@ -6205,6 +6449,1213 @@
           <a:lstStyle/>
           <a:p>
             <a:r>
+              <a:rPr lang="de-DE" dirty="0" smtClean="0"/>
+              <a:t>A </a:t>
+            </a:r>
+            <a:r>
+              <a:rPr lang="de-DE" dirty="0" err="1" smtClean="0"/>
+              <a:t>copy</a:t>
+            </a:r>
+            <a:r>
+              <a:rPr lang="de-DE" dirty="0" smtClean="0"/>
+              <a:t> </a:t>
+            </a:r>
+            <a:r>
+              <a:rPr lang="de-DE" dirty="0" err="1" smtClean="0"/>
+              <a:t>of</a:t>
+            </a:r>
+            <a:r>
+              <a:rPr lang="de-DE" dirty="0" smtClean="0"/>
+              <a:t> </a:t>
+            </a:r>
+            <a:r>
+              <a:rPr lang="de-DE" dirty="0" err="1" smtClean="0"/>
+              <a:t>the</a:t>
+            </a:r>
+            <a:r>
+              <a:rPr lang="de-DE" dirty="0" smtClean="0"/>
+              <a:t> </a:t>
+            </a:r>
+            <a:r>
+              <a:rPr lang="de-DE" dirty="0" err="1" smtClean="0"/>
+              <a:t>unknown</a:t>
+            </a:r>
+            <a:r>
+              <a:rPr lang="de-DE" dirty="0" smtClean="0"/>
+              <a:t> </a:t>
+            </a:r>
+            <a:r>
+              <a:rPr lang="de-DE" dirty="0" err="1" smtClean="0"/>
+              <a:t>vector</a:t>
+            </a:r>
+            <a:r>
+              <a:rPr lang="de-DE" dirty="0" smtClean="0"/>
+              <a:t> X </a:t>
+            </a:r>
+            <a:r>
+              <a:rPr lang="de-DE" dirty="0" err="1" smtClean="0"/>
+              <a:t>is</a:t>
+            </a:r>
+            <a:r>
+              <a:rPr lang="de-DE" dirty="0" smtClean="0"/>
+              <a:t> </a:t>
+            </a:r>
+            <a:r>
+              <a:rPr lang="de-DE" dirty="0" err="1" smtClean="0"/>
+              <a:t>sent</a:t>
+            </a:r>
+            <a:r>
+              <a:rPr lang="de-DE" dirty="0" smtClean="0"/>
+              <a:t> </a:t>
+            </a:r>
+            <a:r>
+              <a:rPr lang="de-DE" dirty="0" err="1" smtClean="0"/>
+              <a:t>to</a:t>
+            </a:r>
+            <a:r>
+              <a:rPr lang="de-DE" dirty="0" smtClean="0"/>
+              <a:t> </a:t>
+            </a:r>
+            <a:r>
+              <a:rPr lang="de-DE" dirty="0" err="1" smtClean="0"/>
+              <a:t>every</a:t>
+            </a:r>
+            <a:r>
+              <a:rPr lang="de-DE" dirty="0" smtClean="0"/>
+              <a:t> </a:t>
+            </a:r>
+            <a:r>
+              <a:rPr lang="de-DE" dirty="0" err="1" smtClean="0"/>
+              <a:t>process</a:t>
+            </a:r>
+            <a:r>
+              <a:rPr lang="de-DE" dirty="0" smtClean="0"/>
+              <a:t>.</a:t>
+            </a:r>
+          </a:p>
+          <a:p>
+            <a:r>
+              <a:rPr lang="de-DE" dirty="0" err="1" smtClean="0"/>
+              <a:t>Some</a:t>
+            </a:r>
+            <a:r>
+              <a:rPr lang="de-DE" dirty="0" smtClean="0"/>
+              <a:t> </a:t>
+            </a:r>
+            <a:r>
+              <a:rPr lang="de-DE" dirty="0" err="1" smtClean="0"/>
+              <a:t>rows</a:t>
+            </a:r>
+            <a:r>
+              <a:rPr lang="de-DE" dirty="0" smtClean="0"/>
+              <a:t> </a:t>
+            </a:r>
+            <a:r>
+              <a:rPr lang="de-DE" dirty="0" err="1" smtClean="0"/>
+              <a:t>of</a:t>
+            </a:r>
+            <a:r>
+              <a:rPr lang="de-DE" dirty="0" smtClean="0"/>
+              <a:t> </a:t>
+            </a:r>
+            <a:r>
+              <a:rPr lang="de-DE" dirty="0" err="1" smtClean="0"/>
+              <a:t>matrix</a:t>
+            </a:r>
+            <a:r>
+              <a:rPr lang="de-DE" dirty="0" smtClean="0"/>
+              <a:t> A </a:t>
+            </a:r>
+            <a:r>
+              <a:rPr lang="de-DE" dirty="0" err="1" smtClean="0"/>
+              <a:t>and</a:t>
+            </a:r>
+            <a:r>
+              <a:rPr lang="de-DE" dirty="0" smtClean="0"/>
+              <a:t> </a:t>
+            </a:r>
+            <a:r>
+              <a:rPr lang="de-DE" dirty="0" err="1" smtClean="0"/>
+              <a:t>vector</a:t>
+            </a:r>
+            <a:r>
+              <a:rPr lang="de-DE" dirty="0" smtClean="0"/>
+              <a:t> b </a:t>
+            </a:r>
+            <a:r>
+              <a:rPr lang="de-DE" dirty="0" err="1" smtClean="0"/>
+              <a:t>is</a:t>
+            </a:r>
+            <a:r>
+              <a:rPr lang="de-DE" dirty="0" smtClean="0"/>
+              <a:t> </a:t>
+            </a:r>
+            <a:r>
+              <a:rPr lang="de-DE" dirty="0" err="1" smtClean="0"/>
+              <a:t>given</a:t>
+            </a:r>
+            <a:r>
+              <a:rPr lang="de-DE" dirty="0" smtClean="0"/>
+              <a:t> </a:t>
+            </a:r>
+            <a:r>
+              <a:rPr lang="de-DE" dirty="0" err="1" smtClean="0"/>
+              <a:t>to</a:t>
+            </a:r>
+            <a:r>
+              <a:rPr lang="de-DE" dirty="0" smtClean="0"/>
+              <a:t> </a:t>
+            </a:r>
+            <a:r>
+              <a:rPr lang="de-DE" dirty="0" err="1" smtClean="0"/>
+              <a:t>each</a:t>
+            </a:r>
+            <a:r>
+              <a:rPr lang="de-DE" dirty="0" smtClean="0"/>
+              <a:t> </a:t>
+            </a:r>
+            <a:r>
+              <a:rPr lang="de-DE" dirty="0" err="1" smtClean="0"/>
+              <a:t>process</a:t>
+            </a:r>
+            <a:r>
+              <a:rPr lang="de-DE" dirty="0" smtClean="0"/>
+              <a:t>.</a:t>
+            </a:r>
+          </a:p>
+          <a:p>
+            <a:r>
+              <a:rPr lang="de-DE" dirty="0" smtClean="0"/>
+              <a:t>All </a:t>
+            </a:r>
+            <a:r>
+              <a:rPr lang="de-DE" dirty="0" err="1" smtClean="0"/>
+              <a:t>processes</a:t>
+            </a:r>
+            <a:r>
+              <a:rPr lang="de-DE" dirty="0" smtClean="0"/>
+              <a:t> </a:t>
+            </a:r>
+            <a:r>
+              <a:rPr lang="de-DE" dirty="0" err="1" smtClean="0"/>
+              <a:t>communicate</a:t>
+            </a:r>
+            <a:r>
+              <a:rPr lang="de-DE" dirty="0" smtClean="0"/>
+              <a:t> </a:t>
+            </a:r>
+            <a:r>
+              <a:rPr lang="de-DE" dirty="0" err="1" smtClean="0"/>
+              <a:t>for</a:t>
+            </a:r>
+            <a:r>
+              <a:rPr lang="de-DE" dirty="0" smtClean="0"/>
+              <a:t> </a:t>
+            </a:r>
+            <a:r>
+              <a:rPr lang="de-DE" dirty="0" err="1" smtClean="0"/>
+              <a:t>the</a:t>
+            </a:r>
+            <a:r>
+              <a:rPr lang="de-DE" dirty="0" smtClean="0"/>
+              <a:t> </a:t>
+            </a:r>
+            <a:r>
+              <a:rPr lang="de-DE" dirty="0" err="1" smtClean="0"/>
+              <a:t>other</a:t>
+            </a:r>
+            <a:r>
+              <a:rPr lang="de-DE" dirty="0" smtClean="0"/>
+              <a:t> </a:t>
+            </a:r>
+            <a:r>
+              <a:rPr lang="de-DE" dirty="0" err="1" smtClean="0"/>
+              <a:t>rows</a:t>
+            </a:r>
+            <a:r>
+              <a:rPr lang="de-DE" dirty="0" smtClean="0"/>
+              <a:t> </a:t>
+            </a:r>
+            <a:r>
+              <a:rPr lang="de-DE" dirty="0" err="1" smtClean="0"/>
+              <a:t>of</a:t>
+            </a:r>
+            <a:r>
+              <a:rPr lang="de-DE" dirty="0" smtClean="0"/>
+              <a:t> </a:t>
+            </a:r>
+            <a:r>
+              <a:rPr lang="de-DE" dirty="0" err="1" smtClean="0"/>
+              <a:t>matrix</a:t>
+            </a:r>
+            <a:r>
+              <a:rPr lang="de-DE" dirty="0" smtClean="0"/>
+              <a:t> A </a:t>
+            </a:r>
+            <a:r>
+              <a:rPr lang="de-DE" dirty="0" err="1" smtClean="0"/>
+              <a:t>and</a:t>
+            </a:r>
+            <a:r>
+              <a:rPr lang="de-DE" dirty="0" smtClean="0"/>
+              <a:t> </a:t>
+            </a:r>
+            <a:r>
+              <a:rPr lang="de-DE" dirty="0" err="1" smtClean="0"/>
+              <a:t>vector</a:t>
+            </a:r>
+            <a:r>
+              <a:rPr lang="de-DE" dirty="0" smtClean="0"/>
+              <a:t> b </a:t>
+            </a:r>
+            <a:r>
+              <a:rPr lang="de-DE" dirty="0" err="1" smtClean="0"/>
+              <a:t>to</a:t>
+            </a:r>
+            <a:r>
+              <a:rPr lang="de-DE" dirty="0" smtClean="0"/>
+              <a:t> </a:t>
+            </a:r>
+            <a:r>
+              <a:rPr lang="de-DE" dirty="0" err="1" smtClean="0"/>
+              <a:t>perform</a:t>
+            </a:r>
+            <a:r>
+              <a:rPr lang="de-DE" dirty="0"/>
+              <a:t> </a:t>
+            </a:r>
+            <a:r>
+              <a:rPr lang="de-DE" dirty="0" smtClean="0"/>
+              <a:t>a matrix-</a:t>
+            </a:r>
+            <a:r>
+              <a:rPr lang="de-DE" dirty="0" err="1" smtClean="0"/>
+              <a:t>vector</a:t>
+            </a:r>
+            <a:r>
+              <a:rPr lang="de-DE" dirty="0" smtClean="0"/>
+              <a:t> </a:t>
+            </a:r>
+            <a:r>
+              <a:rPr lang="de-DE" dirty="0" err="1" smtClean="0"/>
+              <a:t>multiplication</a:t>
+            </a:r>
+            <a:r>
+              <a:rPr lang="de-DE" dirty="0" smtClean="0"/>
+              <a:t> </a:t>
+            </a:r>
+            <a:r>
+              <a:rPr lang="de-DE" dirty="0" err="1" smtClean="0"/>
+              <a:t>using</a:t>
+            </a:r>
+            <a:r>
+              <a:rPr lang="de-DE" dirty="0" smtClean="0"/>
+              <a:t> Collective Communication.</a:t>
+            </a:r>
+          </a:p>
+          <a:p>
+            <a:endParaRPr lang="de-DE" dirty="0" smtClean="0"/>
+          </a:p>
+          <a:p>
+            <a:endParaRPr lang="de-DE" dirty="0"/>
+          </a:p>
+        </p:txBody>
+      </p:sp>
+    </p:spTree>
+    <p:extLst>
+      <p:ext uri="{BB962C8B-B14F-4D97-AF65-F5344CB8AC3E}">
+        <p14:creationId xmlns:p14="http://schemas.microsoft.com/office/powerpoint/2010/main" val="3443855128"/>
+      </p:ext>
+    </p:extLst>
+  </p:cSld>
+  <p:clrMapOvr>
+    <a:masterClrMapping/>
+  </p:clrMapOvr>
+</p:sld>
+</file>
+
+<file path=ppt/slides/slide12.xml><?xml version="1.0" encoding="utf-8"?>
+<p:sld xmlns:a="http://schemas.openxmlformats.org/drawingml/2006/main" xmlns:r="http://schemas.openxmlformats.org/officeDocument/2006/relationships" xmlns:p="http://schemas.openxmlformats.org/presentationml/2006/main">
+  <p:cSld>
+    <p:spTree>
+      <p:nvGrpSpPr>
+        <p:cNvPr id="1" name=""/>
+        <p:cNvGrpSpPr/>
+        <p:nvPr/>
+      </p:nvGrpSpPr>
+      <p:grpSpPr>
+        <a:xfrm>
+          <a:off x="0" y="0"/>
+          <a:ext cx="0" cy="0"/>
+          <a:chOff x="0" y="0"/>
+          <a:chExt cx="0" cy="0"/>
+        </a:xfrm>
+      </p:grpSpPr>
+      <p:sp>
+        <p:nvSpPr>
+          <p:cNvPr id="2" name="Titel 1"/>
+          <p:cNvSpPr>
+            <a:spLocks noGrp="1"/>
+          </p:cNvSpPr>
+          <p:nvPr>
+            <p:ph type="title"/>
+          </p:nvPr>
+        </p:nvSpPr>
+        <p:spPr/>
+        <p:txBody>
+          <a:bodyPr/>
+          <a:lstStyle/>
+          <a:p>
+            <a:r>
+              <a:rPr lang="de-DE" dirty="0" smtClean="0">
+                <a:solidFill>
+                  <a:schemeClr val="tx1">
+                    <a:lumMod val="65000"/>
+                    <a:lumOff val="35000"/>
+                  </a:schemeClr>
+                </a:solidFill>
+              </a:rPr>
+              <a:t>Performance Analysis</a:t>
+            </a:r>
+            <a:endParaRPr lang="de-DE" dirty="0">
+              <a:solidFill>
+                <a:schemeClr val="tx1">
+                  <a:lumMod val="65000"/>
+                  <a:lumOff val="35000"/>
+                </a:schemeClr>
+              </a:solidFill>
+            </a:endParaRPr>
+          </a:p>
+        </p:txBody>
+      </p:sp>
+      <p:sp>
+        <p:nvSpPr>
+          <p:cNvPr id="3" name="Inhaltsplatzhalter 2"/>
+          <p:cNvSpPr>
+            <a:spLocks noGrp="1"/>
+          </p:cNvSpPr>
+          <p:nvPr>
+            <p:ph idx="1"/>
+          </p:nvPr>
+        </p:nvSpPr>
+        <p:spPr/>
+        <p:txBody>
+          <a:bodyPr>
+            <a:normAutofit fontScale="92500" lnSpcReduction="20000"/>
+          </a:bodyPr>
+          <a:lstStyle/>
+          <a:p>
+            <a:r>
+              <a:rPr lang="de-DE" dirty="0" smtClean="0"/>
+              <a:t>Communication </a:t>
+            </a:r>
+            <a:r>
+              <a:rPr lang="de-DE" dirty="0" err="1" smtClean="0"/>
+              <a:t>using</a:t>
+            </a:r>
+            <a:r>
+              <a:rPr lang="de-DE" dirty="0" smtClean="0"/>
+              <a:t> Point-</a:t>
+            </a:r>
+            <a:r>
+              <a:rPr lang="de-DE" dirty="0" err="1" smtClean="0"/>
+              <a:t>to</a:t>
+            </a:r>
+            <a:r>
+              <a:rPr lang="de-DE" dirty="0" smtClean="0"/>
+              <a:t>-Point </a:t>
+            </a:r>
+            <a:r>
+              <a:rPr lang="de-DE" dirty="0" err="1" smtClean="0"/>
+              <a:t>has</a:t>
+            </a:r>
+            <a:r>
+              <a:rPr lang="de-DE" dirty="0" smtClean="0"/>
+              <a:t> a </a:t>
+            </a:r>
+            <a:r>
+              <a:rPr lang="de-DE" dirty="0" err="1" smtClean="0"/>
+              <a:t>lot</a:t>
+            </a:r>
+            <a:r>
+              <a:rPr lang="de-DE" dirty="0" smtClean="0"/>
+              <a:t> </a:t>
+            </a:r>
+            <a:r>
+              <a:rPr lang="de-DE" dirty="0" err="1" smtClean="0"/>
+              <a:t>of</a:t>
+            </a:r>
+            <a:r>
+              <a:rPr lang="de-DE" dirty="0" smtClean="0"/>
+              <a:t> </a:t>
+            </a:r>
+            <a:r>
+              <a:rPr lang="de-DE" dirty="0" err="1" smtClean="0"/>
+              <a:t>idle</a:t>
+            </a:r>
+            <a:r>
+              <a:rPr lang="de-DE" dirty="0" smtClean="0"/>
+              <a:t> time.</a:t>
+            </a:r>
+          </a:p>
+          <a:p>
+            <a:pPr marL="0" indent="0">
+              <a:buNone/>
+            </a:pPr>
+            <a:endParaRPr lang="de-DE" dirty="0" smtClean="0"/>
+          </a:p>
+          <a:p>
+            <a:r>
+              <a:rPr lang="de-DE" dirty="0" smtClean="0"/>
+              <a:t>An </a:t>
+            </a:r>
+            <a:r>
+              <a:rPr lang="de-DE" dirty="0" err="1" smtClean="0"/>
+              <a:t>increase</a:t>
+            </a:r>
+            <a:r>
+              <a:rPr lang="de-DE" dirty="0" smtClean="0"/>
+              <a:t> in </a:t>
+            </a:r>
+            <a:r>
+              <a:rPr lang="de-DE" dirty="0" err="1" smtClean="0"/>
+              <a:t>the</a:t>
+            </a:r>
+            <a:r>
+              <a:rPr lang="de-DE" dirty="0" smtClean="0"/>
+              <a:t> </a:t>
+            </a:r>
+            <a:r>
+              <a:rPr lang="de-DE" dirty="0" err="1" smtClean="0"/>
+              <a:t>number</a:t>
+            </a:r>
+            <a:r>
+              <a:rPr lang="de-DE" dirty="0" smtClean="0"/>
+              <a:t> </a:t>
+            </a:r>
+            <a:r>
+              <a:rPr lang="de-DE" dirty="0" err="1" smtClean="0"/>
+              <a:t>of</a:t>
+            </a:r>
+            <a:r>
+              <a:rPr lang="de-DE" dirty="0" smtClean="0"/>
+              <a:t> </a:t>
+            </a:r>
+            <a:r>
+              <a:rPr lang="de-DE" dirty="0" err="1" smtClean="0"/>
+              <a:t>process</a:t>
+            </a:r>
+            <a:r>
+              <a:rPr lang="de-DE" dirty="0" smtClean="0"/>
+              <a:t> </a:t>
+            </a:r>
+            <a:r>
+              <a:rPr lang="de-DE" dirty="0" err="1" smtClean="0"/>
+              <a:t>had</a:t>
+            </a:r>
+            <a:r>
+              <a:rPr lang="de-DE" dirty="0" smtClean="0"/>
+              <a:t> a </a:t>
+            </a:r>
+            <a:r>
+              <a:rPr lang="de-DE" dirty="0" err="1" smtClean="0"/>
+              <a:t>corresponding</a:t>
+            </a:r>
+            <a:r>
+              <a:rPr lang="de-DE" dirty="0" smtClean="0"/>
+              <a:t> </a:t>
+            </a:r>
+            <a:r>
+              <a:rPr lang="de-DE" dirty="0" err="1" smtClean="0"/>
+              <a:t>increase</a:t>
+            </a:r>
+            <a:r>
+              <a:rPr lang="de-DE" dirty="0" smtClean="0"/>
+              <a:t> in </a:t>
+            </a:r>
+            <a:r>
+              <a:rPr lang="de-DE" dirty="0" err="1" smtClean="0"/>
+              <a:t>the</a:t>
+            </a:r>
+            <a:r>
+              <a:rPr lang="de-DE" dirty="0" smtClean="0"/>
+              <a:t> </a:t>
+            </a:r>
+            <a:r>
+              <a:rPr lang="de-DE" dirty="0" err="1" smtClean="0"/>
+              <a:t>idle</a:t>
+            </a:r>
+            <a:r>
+              <a:rPr lang="de-DE" dirty="0" smtClean="0"/>
+              <a:t> time.</a:t>
+            </a:r>
+          </a:p>
+          <a:p>
+            <a:r>
+              <a:rPr lang="de-DE" dirty="0"/>
+              <a:t>An </a:t>
+            </a:r>
+            <a:r>
+              <a:rPr lang="de-DE" dirty="0" err="1"/>
+              <a:t>increase</a:t>
+            </a:r>
+            <a:r>
+              <a:rPr lang="de-DE" dirty="0"/>
+              <a:t> in </a:t>
+            </a:r>
+            <a:r>
+              <a:rPr lang="de-DE" dirty="0" err="1"/>
+              <a:t>the</a:t>
+            </a:r>
+            <a:r>
+              <a:rPr lang="de-DE" dirty="0"/>
+              <a:t> </a:t>
+            </a:r>
+            <a:r>
+              <a:rPr lang="de-DE" dirty="0" err="1"/>
+              <a:t>number</a:t>
+            </a:r>
+            <a:r>
+              <a:rPr lang="de-DE" dirty="0"/>
+              <a:t> </a:t>
+            </a:r>
+            <a:r>
+              <a:rPr lang="de-DE" dirty="0" err="1"/>
+              <a:t>of</a:t>
+            </a:r>
+            <a:r>
+              <a:rPr lang="de-DE" dirty="0"/>
+              <a:t> </a:t>
+            </a:r>
+            <a:r>
+              <a:rPr lang="de-DE" dirty="0" err="1"/>
+              <a:t>process</a:t>
+            </a:r>
+            <a:r>
+              <a:rPr lang="de-DE" dirty="0"/>
+              <a:t> </a:t>
+            </a:r>
+            <a:r>
+              <a:rPr lang="de-DE" dirty="0" err="1"/>
+              <a:t>had</a:t>
+            </a:r>
+            <a:r>
+              <a:rPr lang="de-DE" dirty="0"/>
+              <a:t> a </a:t>
+            </a:r>
+            <a:r>
+              <a:rPr lang="de-DE" dirty="0" err="1"/>
+              <a:t>corresponding</a:t>
+            </a:r>
+            <a:r>
+              <a:rPr lang="de-DE" dirty="0"/>
+              <a:t> </a:t>
+            </a:r>
+            <a:r>
+              <a:rPr lang="de-DE" dirty="0" err="1"/>
+              <a:t>increase</a:t>
+            </a:r>
+            <a:r>
+              <a:rPr lang="de-DE" dirty="0"/>
+              <a:t> in </a:t>
+            </a:r>
+            <a:r>
+              <a:rPr lang="de-DE" dirty="0" err="1"/>
+              <a:t>the</a:t>
+            </a:r>
+            <a:r>
+              <a:rPr lang="de-DE" dirty="0"/>
+              <a:t> </a:t>
+            </a:r>
+            <a:r>
+              <a:rPr lang="de-DE" dirty="0" err="1" smtClean="0"/>
+              <a:t>communication</a:t>
+            </a:r>
+            <a:r>
+              <a:rPr lang="de-DE" dirty="0" smtClean="0"/>
+              <a:t> </a:t>
+            </a:r>
+            <a:r>
+              <a:rPr lang="de-DE" dirty="0"/>
+              <a:t>time</a:t>
+            </a:r>
+            <a:r>
+              <a:rPr lang="de-DE" dirty="0" smtClean="0"/>
+              <a:t>.</a:t>
+            </a:r>
+          </a:p>
+          <a:p>
+            <a:endParaRPr lang="de-DE" dirty="0" smtClean="0"/>
+          </a:p>
+          <a:p>
+            <a:r>
+              <a:rPr lang="de-DE" dirty="0" smtClean="0"/>
+              <a:t>The Speed </a:t>
+            </a:r>
+            <a:r>
+              <a:rPr lang="de-DE" dirty="0" err="1" smtClean="0"/>
+              <a:t>Up</a:t>
+            </a:r>
+            <a:r>
+              <a:rPr lang="de-DE" dirty="0" smtClean="0"/>
+              <a:t>: S(</a:t>
+            </a:r>
+            <a:r>
+              <a:rPr lang="de-DE" dirty="0" err="1" smtClean="0"/>
+              <a:t>n,p</a:t>
+            </a:r>
+            <a:r>
+              <a:rPr lang="de-DE" dirty="0" smtClean="0"/>
+              <a:t>) = </a:t>
+            </a:r>
+            <a:r>
+              <a:rPr lang="de-DE" dirty="0" err="1" smtClean="0"/>
+              <a:t>serial</a:t>
+            </a:r>
+            <a:r>
+              <a:rPr lang="de-DE" dirty="0" smtClean="0"/>
+              <a:t> time / time </a:t>
+            </a:r>
+            <a:r>
+              <a:rPr lang="de-DE" dirty="0" err="1" smtClean="0"/>
+              <a:t>by</a:t>
+            </a:r>
+            <a:r>
+              <a:rPr lang="de-DE" dirty="0" smtClean="0"/>
+              <a:t> p </a:t>
+            </a:r>
+            <a:r>
+              <a:rPr lang="de-DE" dirty="0" err="1" smtClean="0"/>
+              <a:t>processes</a:t>
+            </a:r>
+            <a:r>
+              <a:rPr lang="de-DE" dirty="0" smtClean="0"/>
+              <a:t>.</a:t>
+            </a:r>
+          </a:p>
+          <a:p>
+            <a:endParaRPr lang="de-DE" dirty="0"/>
+          </a:p>
+          <a:p>
+            <a:r>
+              <a:rPr lang="de-DE" dirty="0" smtClean="0"/>
+              <a:t>The Speed </a:t>
+            </a:r>
+            <a:r>
+              <a:rPr lang="de-DE" dirty="0" err="1" smtClean="0"/>
+              <a:t>Up</a:t>
+            </a:r>
+            <a:r>
+              <a:rPr lang="de-DE" dirty="0" smtClean="0"/>
+              <a:t> </a:t>
+            </a:r>
+            <a:r>
+              <a:rPr lang="de-DE" dirty="0" err="1" smtClean="0"/>
+              <a:t>decreased</a:t>
+            </a:r>
+            <a:r>
+              <a:rPr lang="de-DE" dirty="0" smtClean="0"/>
+              <a:t> </a:t>
+            </a:r>
+            <a:r>
+              <a:rPr lang="de-DE" dirty="0" err="1" smtClean="0"/>
+              <a:t>as</a:t>
+            </a:r>
+            <a:r>
+              <a:rPr lang="de-DE" dirty="0" smtClean="0"/>
+              <a:t> </a:t>
+            </a:r>
+            <a:r>
+              <a:rPr lang="de-DE" dirty="0" err="1" smtClean="0"/>
+              <a:t>number</a:t>
+            </a:r>
+            <a:r>
+              <a:rPr lang="de-DE" dirty="0" smtClean="0"/>
+              <a:t> </a:t>
+            </a:r>
+            <a:r>
+              <a:rPr lang="de-DE" dirty="0" err="1" smtClean="0"/>
+              <a:t>of</a:t>
+            </a:r>
+            <a:r>
+              <a:rPr lang="de-DE" dirty="0" smtClean="0"/>
+              <a:t> </a:t>
+            </a:r>
+            <a:r>
+              <a:rPr lang="de-DE" dirty="0" err="1" smtClean="0"/>
+              <a:t>processes</a:t>
+            </a:r>
+            <a:r>
+              <a:rPr lang="de-DE" dirty="0" smtClean="0"/>
+              <a:t> </a:t>
+            </a:r>
+            <a:r>
+              <a:rPr lang="de-DE" dirty="0" err="1" smtClean="0"/>
+              <a:t>increased</a:t>
+            </a:r>
+            <a:r>
+              <a:rPr lang="de-DE" dirty="0" smtClean="0"/>
+              <a:t>.</a:t>
+            </a:r>
+          </a:p>
+          <a:p>
+            <a:endParaRPr lang="de-DE" dirty="0"/>
+          </a:p>
+          <a:p>
+            <a:pPr marL="0" indent="0">
+              <a:buNone/>
+            </a:pPr>
+            <a:r>
+              <a:rPr lang="de-DE" dirty="0" smtClean="0"/>
+              <a:t> </a:t>
+            </a:r>
+            <a:endParaRPr lang="de-DE" dirty="0"/>
+          </a:p>
+          <a:p>
+            <a:pPr marL="0" indent="0">
+              <a:buNone/>
+            </a:pPr>
+            <a:endParaRPr lang="de-DE" dirty="0"/>
+          </a:p>
+        </p:txBody>
+      </p:sp>
+    </p:spTree>
+    <p:extLst>
+      <p:ext uri="{BB962C8B-B14F-4D97-AF65-F5344CB8AC3E}">
+        <p14:creationId xmlns:p14="http://schemas.microsoft.com/office/powerpoint/2010/main" val="2946834039"/>
+      </p:ext>
+    </p:extLst>
+  </p:cSld>
+  <p:clrMapOvr>
+    <a:masterClrMapping/>
+  </p:clrMapOvr>
+</p:sld>
+</file>
+
+<file path=ppt/slides/slide13.xml><?xml version="1.0" encoding="utf-8"?>
+<p:sld xmlns:a="http://schemas.openxmlformats.org/drawingml/2006/main" xmlns:r="http://schemas.openxmlformats.org/officeDocument/2006/relationships" xmlns:p="http://schemas.openxmlformats.org/presentationml/2006/main">
+  <p:cSld>
+    <p:spTree>
+      <p:nvGrpSpPr>
+        <p:cNvPr id="1" name=""/>
+        <p:cNvGrpSpPr/>
+        <p:nvPr/>
+      </p:nvGrpSpPr>
+      <p:grpSpPr>
+        <a:xfrm>
+          <a:off x="0" y="0"/>
+          <a:ext cx="0" cy="0"/>
+          <a:chOff x="0" y="0"/>
+          <a:chExt cx="0" cy="0"/>
+        </a:xfrm>
+      </p:grpSpPr>
+      <p:sp>
+        <p:nvSpPr>
+          <p:cNvPr id="2" name="Titel 1"/>
+          <p:cNvSpPr>
+            <a:spLocks noGrp="1"/>
+          </p:cNvSpPr>
+          <p:nvPr>
+            <p:ph type="title"/>
+          </p:nvPr>
+        </p:nvSpPr>
+        <p:spPr/>
+        <p:txBody>
+          <a:bodyPr/>
+          <a:lstStyle/>
+          <a:p>
+            <a:r>
+              <a:rPr lang="de-DE" dirty="0" smtClean="0">
+                <a:solidFill>
+                  <a:schemeClr val="tx1">
+                    <a:lumMod val="65000"/>
+                    <a:lumOff val="35000"/>
+                  </a:schemeClr>
+                </a:solidFill>
+              </a:rPr>
+              <a:t>Performance Analysis</a:t>
+            </a:r>
+            <a:endParaRPr lang="de-DE" dirty="0">
+              <a:solidFill>
+                <a:schemeClr val="tx1">
+                  <a:lumMod val="65000"/>
+                  <a:lumOff val="35000"/>
+                </a:schemeClr>
+              </a:solidFill>
+            </a:endParaRPr>
+          </a:p>
+        </p:txBody>
+      </p:sp>
+      <p:sp>
+        <p:nvSpPr>
+          <p:cNvPr id="3" name="Inhaltsplatzhalter 2"/>
+          <p:cNvSpPr>
+            <a:spLocks noGrp="1"/>
+          </p:cNvSpPr>
+          <p:nvPr>
+            <p:ph idx="1"/>
+          </p:nvPr>
+        </p:nvSpPr>
+        <p:spPr/>
+        <p:txBody>
+          <a:bodyPr/>
+          <a:lstStyle/>
+          <a:p>
+            <a:r>
+              <a:rPr lang="de-DE" dirty="0" smtClean="0"/>
+              <a:t>Communication </a:t>
+            </a:r>
+            <a:r>
+              <a:rPr lang="de-DE" dirty="0" err="1" smtClean="0"/>
+              <a:t>using</a:t>
+            </a:r>
+            <a:r>
+              <a:rPr lang="de-DE" dirty="0" smtClean="0"/>
+              <a:t> Collective Communication </a:t>
+            </a:r>
+            <a:r>
+              <a:rPr lang="de-DE" dirty="0" err="1" smtClean="0"/>
+              <a:t>had</a:t>
+            </a:r>
+            <a:r>
+              <a:rPr lang="de-DE" dirty="0" smtClean="0"/>
+              <a:t> </a:t>
+            </a:r>
+            <a:r>
+              <a:rPr lang="de-DE" dirty="0" err="1" smtClean="0"/>
+              <a:t>relatively</a:t>
+            </a:r>
+            <a:r>
+              <a:rPr lang="de-DE" dirty="0" smtClean="0"/>
+              <a:t> </a:t>
+            </a:r>
+            <a:r>
+              <a:rPr lang="de-DE" dirty="0" err="1" smtClean="0"/>
+              <a:t>less</a:t>
+            </a:r>
+            <a:r>
+              <a:rPr lang="de-DE" dirty="0" smtClean="0"/>
+              <a:t> </a:t>
+            </a:r>
+            <a:r>
+              <a:rPr lang="de-DE" dirty="0" err="1" smtClean="0"/>
+              <a:t>idle</a:t>
+            </a:r>
+            <a:r>
+              <a:rPr lang="de-DE" dirty="0" smtClean="0"/>
+              <a:t> time.</a:t>
+            </a:r>
+          </a:p>
+          <a:p>
+            <a:pPr marL="0" indent="0">
+              <a:buNone/>
+            </a:pPr>
+            <a:endParaRPr lang="de-DE" dirty="0" smtClean="0"/>
+          </a:p>
+          <a:p>
+            <a:r>
+              <a:rPr lang="de-DE" dirty="0" smtClean="0"/>
+              <a:t>An </a:t>
+            </a:r>
+            <a:r>
+              <a:rPr lang="de-DE" dirty="0" err="1" smtClean="0"/>
+              <a:t>increase</a:t>
+            </a:r>
+            <a:r>
+              <a:rPr lang="de-DE" dirty="0" smtClean="0"/>
+              <a:t> in </a:t>
+            </a:r>
+            <a:r>
+              <a:rPr lang="de-DE" dirty="0" err="1" smtClean="0"/>
+              <a:t>the</a:t>
+            </a:r>
+            <a:r>
+              <a:rPr lang="de-DE" dirty="0" smtClean="0"/>
+              <a:t> </a:t>
+            </a:r>
+            <a:r>
+              <a:rPr lang="de-DE" dirty="0" err="1" smtClean="0"/>
+              <a:t>number</a:t>
+            </a:r>
+            <a:r>
+              <a:rPr lang="de-DE" dirty="0" smtClean="0"/>
+              <a:t> </a:t>
+            </a:r>
+            <a:r>
+              <a:rPr lang="de-DE" dirty="0" err="1" smtClean="0"/>
+              <a:t>of</a:t>
+            </a:r>
+            <a:r>
+              <a:rPr lang="de-DE" dirty="0" smtClean="0"/>
+              <a:t> </a:t>
+            </a:r>
+            <a:r>
+              <a:rPr lang="de-DE" dirty="0" err="1" smtClean="0"/>
+              <a:t>process</a:t>
+            </a:r>
+            <a:r>
+              <a:rPr lang="de-DE" dirty="0" smtClean="0"/>
+              <a:t> </a:t>
+            </a:r>
+            <a:r>
+              <a:rPr lang="de-DE" dirty="0" err="1" smtClean="0"/>
+              <a:t>had</a:t>
+            </a:r>
+            <a:r>
+              <a:rPr lang="de-DE" dirty="0" smtClean="0"/>
+              <a:t> a </a:t>
+            </a:r>
+            <a:r>
+              <a:rPr lang="de-DE" dirty="0" err="1" smtClean="0"/>
+              <a:t>corresponding</a:t>
+            </a:r>
+            <a:r>
+              <a:rPr lang="de-DE" dirty="0" smtClean="0"/>
+              <a:t> </a:t>
+            </a:r>
+            <a:r>
+              <a:rPr lang="de-DE" dirty="0" err="1" smtClean="0"/>
+              <a:t>had</a:t>
+            </a:r>
+            <a:r>
+              <a:rPr lang="de-DE" dirty="0" smtClean="0"/>
+              <a:t> a relative </a:t>
+            </a:r>
+            <a:r>
+              <a:rPr lang="de-DE" dirty="0" err="1" smtClean="0"/>
+              <a:t>increase</a:t>
+            </a:r>
+            <a:r>
+              <a:rPr lang="de-DE" dirty="0" smtClean="0"/>
+              <a:t> </a:t>
+            </a:r>
+            <a:r>
+              <a:rPr lang="de-DE" dirty="0" err="1" smtClean="0"/>
+              <a:t>communication</a:t>
+            </a:r>
+            <a:r>
+              <a:rPr lang="de-DE" dirty="0" smtClean="0"/>
+              <a:t>.</a:t>
+            </a:r>
+          </a:p>
+          <a:p>
+            <a:endParaRPr lang="de-DE" dirty="0" smtClean="0"/>
+          </a:p>
+          <a:p>
+            <a:r>
+              <a:rPr lang="de-DE" dirty="0" smtClean="0"/>
+              <a:t>The Speed </a:t>
+            </a:r>
+            <a:r>
+              <a:rPr lang="de-DE" dirty="0" err="1" smtClean="0"/>
+              <a:t>Up</a:t>
+            </a:r>
+            <a:r>
+              <a:rPr lang="de-DE" dirty="0" smtClean="0"/>
+              <a:t>: S(</a:t>
+            </a:r>
+            <a:r>
+              <a:rPr lang="de-DE" dirty="0" err="1" smtClean="0"/>
+              <a:t>n,p</a:t>
+            </a:r>
+            <a:r>
+              <a:rPr lang="de-DE" dirty="0" smtClean="0"/>
+              <a:t>) = </a:t>
+            </a:r>
+            <a:r>
+              <a:rPr lang="de-DE" dirty="0" err="1" smtClean="0"/>
+              <a:t>serial</a:t>
+            </a:r>
+            <a:r>
+              <a:rPr lang="de-DE" dirty="0" smtClean="0"/>
+              <a:t> time / time </a:t>
+            </a:r>
+            <a:r>
+              <a:rPr lang="de-DE" dirty="0" err="1" smtClean="0"/>
+              <a:t>by</a:t>
+            </a:r>
+            <a:r>
+              <a:rPr lang="de-DE" dirty="0" smtClean="0"/>
+              <a:t> p </a:t>
+            </a:r>
+            <a:r>
+              <a:rPr lang="de-DE" dirty="0" err="1" smtClean="0"/>
+              <a:t>processes</a:t>
+            </a:r>
+            <a:r>
+              <a:rPr lang="de-DE" dirty="0" smtClean="0"/>
+              <a:t>.</a:t>
+            </a:r>
+          </a:p>
+          <a:p>
+            <a:endParaRPr lang="de-DE" dirty="0"/>
+          </a:p>
+          <a:p>
+            <a:r>
+              <a:rPr lang="de-DE" dirty="0" smtClean="0"/>
+              <a:t>Speed </a:t>
+            </a:r>
+            <a:r>
+              <a:rPr lang="de-DE" dirty="0" err="1" smtClean="0"/>
+              <a:t>Up</a:t>
+            </a:r>
+            <a:r>
+              <a:rPr lang="de-DE" dirty="0" smtClean="0"/>
+              <a:t> </a:t>
+            </a:r>
+            <a:r>
+              <a:rPr lang="de-DE" dirty="0" err="1" smtClean="0"/>
+              <a:t>decreased</a:t>
+            </a:r>
+            <a:r>
+              <a:rPr lang="de-DE" dirty="0" smtClean="0"/>
+              <a:t> </a:t>
+            </a:r>
+            <a:r>
+              <a:rPr lang="de-DE" dirty="0" err="1" smtClean="0"/>
+              <a:t>as</a:t>
+            </a:r>
+            <a:r>
+              <a:rPr lang="de-DE" dirty="0" smtClean="0"/>
+              <a:t> </a:t>
+            </a:r>
+            <a:r>
+              <a:rPr lang="de-DE" dirty="0" err="1" smtClean="0"/>
+              <a:t>number</a:t>
+            </a:r>
+            <a:r>
+              <a:rPr lang="de-DE" dirty="0" smtClean="0"/>
+              <a:t> </a:t>
+            </a:r>
+            <a:r>
+              <a:rPr lang="de-DE" dirty="0" err="1" smtClean="0"/>
+              <a:t>of</a:t>
+            </a:r>
+            <a:r>
+              <a:rPr lang="de-DE" dirty="0" smtClean="0"/>
+              <a:t> </a:t>
+            </a:r>
+            <a:r>
+              <a:rPr lang="de-DE" dirty="0" err="1" smtClean="0"/>
+              <a:t>process</a:t>
+            </a:r>
+            <a:r>
+              <a:rPr lang="de-DE" dirty="0" smtClean="0"/>
+              <a:t> </a:t>
+            </a:r>
+            <a:r>
+              <a:rPr lang="de-DE" dirty="0" err="1" smtClean="0"/>
+              <a:t>increased</a:t>
+            </a:r>
+            <a:r>
+              <a:rPr lang="de-DE" dirty="0" smtClean="0"/>
+              <a:t>.</a:t>
+            </a:r>
+          </a:p>
+          <a:p>
+            <a:endParaRPr lang="de-DE" dirty="0"/>
+          </a:p>
+          <a:p>
+            <a:pPr marL="0" indent="0">
+              <a:buNone/>
+            </a:pPr>
+            <a:r>
+              <a:rPr lang="de-DE" dirty="0" smtClean="0"/>
+              <a:t> </a:t>
+            </a:r>
+            <a:endParaRPr lang="de-DE" dirty="0"/>
+          </a:p>
+          <a:p>
+            <a:pPr marL="0" indent="0">
+              <a:buNone/>
+            </a:pPr>
+            <a:endParaRPr lang="de-DE" dirty="0"/>
+          </a:p>
+        </p:txBody>
+      </p:sp>
+    </p:spTree>
+    <p:extLst>
+      <p:ext uri="{BB962C8B-B14F-4D97-AF65-F5344CB8AC3E}">
+        <p14:creationId xmlns:p14="http://schemas.microsoft.com/office/powerpoint/2010/main" val="3808417811"/>
+      </p:ext>
+    </p:extLst>
+  </p:cSld>
+  <p:clrMapOvr>
+    <a:masterClrMapping/>
+  </p:clrMapOvr>
+</p:sld>
+</file>
+
+<file path=ppt/slides/slide14.xml><?xml version="1.0" encoding="utf-8"?>
+<p:sld xmlns:a="http://schemas.openxmlformats.org/drawingml/2006/main" xmlns:r="http://schemas.openxmlformats.org/officeDocument/2006/relationships" xmlns:p="http://schemas.openxmlformats.org/presentationml/2006/main">
+  <p:cSld>
+    <p:spTree>
+      <p:nvGrpSpPr>
+        <p:cNvPr id="1" name=""/>
+        <p:cNvGrpSpPr/>
+        <p:nvPr/>
+      </p:nvGrpSpPr>
+      <p:grpSpPr>
+        <a:xfrm>
+          <a:off x="0" y="0"/>
+          <a:ext cx="0" cy="0"/>
+          <a:chOff x="0" y="0"/>
+          <a:chExt cx="0" cy="0"/>
+        </a:xfrm>
+      </p:grpSpPr>
+      <p:sp>
+        <p:nvSpPr>
+          <p:cNvPr id="2" name="Titel 1"/>
+          <p:cNvSpPr>
+            <a:spLocks noGrp="1"/>
+          </p:cNvSpPr>
+          <p:nvPr>
+            <p:ph type="title"/>
+          </p:nvPr>
+        </p:nvSpPr>
+        <p:spPr/>
+        <p:txBody>
+          <a:bodyPr/>
+          <a:lstStyle/>
+          <a:p>
+            <a:r>
+              <a:rPr lang="de-DE" dirty="0" smtClean="0">
+                <a:solidFill>
+                  <a:schemeClr val="tx1">
+                    <a:lumMod val="65000"/>
+                    <a:lumOff val="35000"/>
+                  </a:schemeClr>
+                </a:solidFill>
+              </a:rPr>
+              <a:t>References</a:t>
+            </a:r>
+            <a:endParaRPr lang="de-DE" dirty="0">
+              <a:solidFill>
+                <a:schemeClr val="tx1">
+                  <a:lumMod val="65000"/>
+                  <a:lumOff val="35000"/>
+                </a:schemeClr>
+              </a:solidFill>
+            </a:endParaRPr>
+          </a:p>
+        </p:txBody>
+      </p:sp>
+      <p:sp>
+        <p:nvSpPr>
+          <p:cNvPr id="3" name="Inhaltsplatzhalter 2"/>
+          <p:cNvSpPr>
+            <a:spLocks noGrp="1"/>
+          </p:cNvSpPr>
+          <p:nvPr>
+            <p:ph idx="1"/>
+          </p:nvPr>
+        </p:nvSpPr>
+        <p:spPr/>
+        <p:txBody>
+          <a:bodyPr/>
+          <a:lstStyle/>
+          <a:p>
+            <a:r>
               <a:rPr lang="de-DE" dirty="0">
                 <a:solidFill>
                   <a:schemeClr val="tx1">
@@ -6248,9 +7699,45 @@
               <a:rPr lang="de-DE" dirty="0" smtClean="0">
                 <a:hlinkClick r:id="rId3"/>
               </a:rPr>
-              <a:t>://en.wikipedia.org/wiki/Message_Passing_Interface</a:t>
+              <a:t>://</a:t>
+            </a:r>
+            <a:r>
+              <a:rPr lang="de-DE" dirty="0" smtClean="0">
+                <a:hlinkClick r:id="rId3"/>
+              </a:rPr>
+              <a:t>en.wikipedia.org/wiki/Message_Passing_Interface</a:t>
             </a:r>
             <a:endParaRPr lang="de-DE" dirty="0" smtClean="0"/>
+          </a:p>
+          <a:p>
+            <a:r>
+              <a:rPr lang="de-DE" dirty="0">
+                <a:hlinkClick r:id="rId4"/>
+              </a:rPr>
+              <a:t>http://mpitutorial.com/tutorials/mpi-introduction</a:t>
+            </a:r>
+            <a:r>
+              <a:rPr lang="de-DE" dirty="0" smtClean="0">
+                <a:hlinkClick r:id="rId4"/>
+              </a:rPr>
+              <a:t>/</a:t>
+            </a:r>
+            <a:endParaRPr lang="de-DE" dirty="0" smtClean="0"/>
+          </a:p>
+          <a:p>
+            <a:r>
+              <a:rPr lang="de-DE" dirty="0">
+                <a:solidFill>
+                  <a:srgbClr val="92D050"/>
+                </a:solidFill>
+              </a:rPr>
+              <a:t>https://www.cs.cmu.edu/~quake-papers/painless-conjugate-gradient.pdf</a:t>
+            </a:r>
+            <a:endParaRPr lang="de-DE" dirty="0" smtClean="0">
+              <a:solidFill>
+                <a:srgbClr val="92D050"/>
+              </a:solidFill>
+            </a:endParaRPr>
           </a:p>
           <a:p>
             <a:endParaRPr lang="de-DE" dirty="0"/>
@@ -6500,6 +7987,261 @@
           <a:bodyPr/>
           <a:lstStyle/>
           <a:p>
+            <a:r>
+              <a:rPr lang="de-DE" dirty="0" smtClean="0"/>
+              <a:t>The </a:t>
+            </a:r>
+            <a:r>
+              <a:rPr lang="de-DE" dirty="0" err="1" smtClean="0"/>
+              <a:t>Conjugate</a:t>
+            </a:r>
+            <a:r>
+              <a:rPr lang="de-DE" dirty="0" smtClean="0"/>
+              <a:t> Gradient (CG) </a:t>
+            </a:r>
+            <a:r>
+              <a:rPr lang="de-DE" dirty="0" err="1" smtClean="0"/>
+              <a:t>Method</a:t>
+            </a:r>
+            <a:r>
+              <a:rPr lang="de-DE" dirty="0" smtClean="0"/>
+              <a:t> </a:t>
+            </a:r>
+            <a:r>
+              <a:rPr lang="de-DE" dirty="0" err="1" smtClean="0"/>
+              <a:t>is</a:t>
+            </a:r>
+            <a:r>
+              <a:rPr lang="de-DE" dirty="0" smtClean="0"/>
+              <a:t> </a:t>
+            </a:r>
+            <a:r>
+              <a:rPr lang="de-DE" dirty="0" err="1" smtClean="0"/>
+              <a:t>the</a:t>
+            </a:r>
+            <a:r>
+              <a:rPr lang="de-DE" dirty="0" smtClean="0"/>
+              <a:t> </a:t>
+            </a:r>
+            <a:r>
+              <a:rPr lang="de-DE" dirty="0" err="1" smtClean="0"/>
+              <a:t>most</a:t>
+            </a:r>
+            <a:r>
+              <a:rPr lang="de-DE" dirty="0" smtClean="0"/>
+              <a:t> </a:t>
+            </a:r>
+            <a:r>
+              <a:rPr lang="de-DE" dirty="0" err="1" smtClean="0"/>
+              <a:t>practically</a:t>
+            </a:r>
+            <a:r>
+              <a:rPr lang="de-DE" dirty="0" smtClean="0"/>
+              <a:t> </a:t>
+            </a:r>
+            <a:r>
+              <a:rPr lang="de-DE" dirty="0" err="1" smtClean="0"/>
+              <a:t>used</a:t>
+            </a:r>
+            <a:r>
+              <a:rPr lang="de-DE" dirty="0" smtClean="0"/>
+              <a:t> iterative </a:t>
+            </a:r>
+            <a:r>
+              <a:rPr lang="de-DE" dirty="0" err="1" smtClean="0"/>
+              <a:t>method</a:t>
+            </a:r>
+            <a:r>
+              <a:rPr lang="de-DE" dirty="0" smtClean="0"/>
+              <a:t>.</a:t>
+            </a:r>
+          </a:p>
+          <a:p>
+            <a:endParaRPr lang="de-DE" dirty="0"/>
+          </a:p>
+          <a:p>
+            <a:r>
+              <a:rPr lang="de-DE" dirty="0" smtClean="0"/>
+              <a:t>Magnus R. </a:t>
+            </a:r>
+            <a:r>
+              <a:rPr lang="de-DE" dirty="0" err="1" smtClean="0"/>
+              <a:t>Hestenes</a:t>
+            </a:r>
+            <a:r>
+              <a:rPr lang="de-DE" dirty="0" smtClean="0"/>
+              <a:t> </a:t>
+            </a:r>
+            <a:r>
+              <a:rPr lang="de-DE" dirty="0" err="1" smtClean="0"/>
+              <a:t>with</a:t>
+            </a:r>
+            <a:r>
+              <a:rPr lang="de-DE" dirty="0" smtClean="0"/>
+              <a:t> </a:t>
+            </a:r>
+            <a:r>
+              <a:rPr lang="de-DE" dirty="0" err="1" smtClean="0"/>
+              <a:t>cooperation</a:t>
+            </a:r>
+            <a:r>
+              <a:rPr lang="de-DE" dirty="0" smtClean="0"/>
+              <a:t> </a:t>
+            </a:r>
+            <a:r>
+              <a:rPr lang="de-DE" dirty="0" err="1" smtClean="0"/>
+              <a:t>from</a:t>
+            </a:r>
+            <a:r>
+              <a:rPr lang="de-DE" dirty="0" smtClean="0"/>
+              <a:t> Cornelius </a:t>
+            </a:r>
+            <a:r>
+              <a:rPr lang="de-DE" dirty="0" err="1" smtClean="0"/>
+              <a:t>Lanczos</a:t>
+            </a:r>
+            <a:r>
+              <a:rPr lang="de-DE" dirty="0" smtClean="0"/>
+              <a:t> </a:t>
+            </a:r>
+            <a:r>
+              <a:rPr lang="de-DE" dirty="0" err="1" smtClean="0"/>
+              <a:t>and</a:t>
+            </a:r>
+            <a:r>
+              <a:rPr lang="de-DE" dirty="0" smtClean="0"/>
+              <a:t> Edward Stiefel.</a:t>
+            </a:r>
+            <a:endParaRPr lang="de-DE" dirty="0"/>
+          </a:p>
+          <a:p>
+            <a:r>
+              <a:rPr lang="de-DE" dirty="0" smtClean="0"/>
+              <a:t> </a:t>
+            </a:r>
+            <a:r>
+              <a:rPr lang="de-DE" dirty="0" err="1" smtClean="0"/>
+              <a:t>Solve</a:t>
+            </a:r>
+            <a:r>
+              <a:rPr lang="de-DE" dirty="0" err="1" smtClean="0"/>
+              <a:t>s</a:t>
+            </a:r>
+            <a:r>
+              <a:rPr lang="de-DE" dirty="0" smtClean="0"/>
+              <a:t> </a:t>
+            </a:r>
+            <a:r>
+              <a:rPr lang="de-DE" dirty="0" err="1" smtClean="0"/>
+              <a:t>Ax</a:t>
+            </a:r>
+            <a:r>
+              <a:rPr lang="de-DE" dirty="0" smtClean="0"/>
+              <a:t> = b. </a:t>
+            </a:r>
+          </a:p>
+          <a:p>
+            <a:r>
+              <a:rPr lang="de-DE" dirty="0" smtClean="0"/>
+              <a:t>A </a:t>
+            </a:r>
+            <a:r>
+              <a:rPr lang="de-DE" dirty="0" err="1" smtClean="0"/>
+              <a:t>is</a:t>
+            </a:r>
+            <a:r>
+              <a:rPr lang="de-DE" dirty="0" smtClean="0"/>
+              <a:t> a positive-</a:t>
+            </a:r>
+            <a:r>
+              <a:rPr lang="de-DE" dirty="0" err="1" smtClean="0"/>
+              <a:t>symmetric</a:t>
+            </a:r>
+            <a:r>
+              <a:rPr lang="de-DE" dirty="0" smtClean="0"/>
+              <a:t> </a:t>
+            </a:r>
+            <a:r>
+              <a:rPr lang="de-DE" dirty="0" err="1" smtClean="0"/>
+              <a:t>nxn</a:t>
+            </a:r>
+            <a:r>
+              <a:rPr lang="de-DE" dirty="0" smtClean="0"/>
+              <a:t> </a:t>
+            </a:r>
+            <a:r>
+              <a:rPr lang="de-DE" dirty="0" err="1" smtClean="0"/>
+              <a:t>known</a:t>
+            </a:r>
+            <a:r>
+              <a:rPr lang="de-DE" dirty="0" smtClean="0"/>
+              <a:t> </a:t>
+            </a:r>
+            <a:r>
+              <a:rPr lang="de-DE" dirty="0" err="1" smtClean="0"/>
+              <a:t>matrix</a:t>
+            </a:r>
+            <a:r>
+              <a:rPr lang="de-DE" dirty="0" smtClean="0"/>
+              <a:t>.</a:t>
+            </a:r>
+          </a:p>
+          <a:p>
+            <a:r>
+              <a:rPr lang="de-DE" dirty="0" smtClean="0"/>
+              <a:t>X </a:t>
+            </a:r>
+            <a:r>
+              <a:rPr lang="de-DE" dirty="0" err="1" smtClean="0"/>
+              <a:t>is</a:t>
+            </a:r>
+            <a:r>
+              <a:rPr lang="de-DE" dirty="0" smtClean="0"/>
+              <a:t> a nx1 </a:t>
+            </a:r>
+            <a:r>
+              <a:rPr lang="de-DE" dirty="0" err="1" smtClean="0"/>
+              <a:t>unkown</a:t>
+            </a:r>
+            <a:r>
+              <a:rPr lang="de-DE" dirty="0" smtClean="0"/>
+              <a:t> </a:t>
+            </a:r>
+            <a:r>
+              <a:rPr lang="de-DE" dirty="0" err="1" smtClean="0"/>
+              <a:t>vector</a:t>
+            </a:r>
+            <a:endParaRPr lang="de-DE" dirty="0" smtClean="0"/>
+          </a:p>
+          <a:p>
+            <a:r>
+              <a:rPr lang="de-DE" dirty="0" smtClean="0"/>
+              <a:t>B </a:t>
+            </a:r>
+            <a:r>
+              <a:rPr lang="de-DE" dirty="0" err="1" smtClean="0"/>
+              <a:t>is</a:t>
+            </a:r>
+            <a:r>
+              <a:rPr lang="de-DE" dirty="0" smtClean="0"/>
+              <a:t> a nx1 </a:t>
+            </a:r>
+            <a:r>
+              <a:rPr lang="de-DE" dirty="0" err="1" smtClean="0"/>
+              <a:t>known</a:t>
+            </a:r>
+            <a:r>
+              <a:rPr lang="de-DE" dirty="0" smtClean="0"/>
+              <a:t> </a:t>
+            </a:r>
+            <a:r>
+              <a:rPr lang="de-DE" dirty="0" err="1" smtClean="0"/>
+              <a:t>vector</a:t>
+            </a:r>
+            <a:r>
+              <a:rPr lang="de-DE" dirty="0" smtClean="0"/>
+              <a:t> </a:t>
+            </a:r>
             <a:endParaRPr lang="de-DE" dirty="0"/>
           </a:p>
         </p:txBody>
@@ -6651,15 +8393,7 @@
             </a:r>
             <a:r>
               <a:rPr lang="de-DE" dirty="0" smtClean="0"/>
-              <a:t> </a:t>
-            </a:r>
-            <a:r>
-              <a:rPr lang="de-DE" dirty="0" smtClean="0"/>
-              <a:t>Interface </a:t>
-            </a:r>
-            <a:r>
-              <a:rPr lang="de-DE" dirty="0" smtClean="0"/>
-              <a:t>implementation </a:t>
+              <a:t> Interface implementation </a:t>
             </a:r>
             <a:r>
               <a:rPr lang="de-DE" dirty="0" err="1" smtClean="0"/>
@@ -6935,7 +8669,6 @@
               <a:rPr lang="de-DE" dirty="0" smtClean="0"/>
               <a:t>.</a:t>
             </a:r>
-            <a:endParaRPr lang="de-DE" dirty="0" smtClean="0"/>
           </a:p>
           <a:p>
             <a:endParaRPr lang="de-DE" dirty="0"/>
@@ -8300,6 +10033,121 @@
           <a:bodyPr/>
           <a:lstStyle/>
           <a:p>
+            <a:r>
+              <a:rPr lang="de-DE" dirty="0" err="1" smtClean="0"/>
+              <a:t>Consider</a:t>
+            </a:r>
+            <a:r>
+              <a:rPr lang="de-DE" dirty="0" smtClean="0"/>
+              <a:t> :</a:t>
+            </a:r>
+          </a:p>
+          <a:p>
+            <a:r>
+              <a:rPr lang="de-DE" i="1" dirty="0" smtClean="0"/>
+              <a:t>F(x) = 0.5*</a:t>
+            </a:r>
+            <a:r>
+              <a:rPr lang="de-DE" i="1" dirty="0" err="1" smtClean="0"/>
+              <a:t>x</a:t>
+            </a:r>
+            <a:r>
+              <a:rPr lang="de-DE" i="1" baseline="30000" dirty="0" err="1" smtClean="0"/>
+              <a:t>T</a:t>
+            </a:r>
+            <a:r>
+              <a:rPr lang="de-DE" i="1" dirty="0" err="1" smtClean="0"/>
+              <a:t>A</a:t>
+            </a:r>
+            <a:r>
+              <a:rPr lang="de-DE" i="1" dirty="0" smtClean="0"/>
+              <a:t>*x – </a:t>
+            </a:r>
+            <a:r>
+              <a:rPr lang="de-DE" i="1" dirty="0" err="1" smtClean="0"/>
+              <a:t>b</a:t>
+            </a:r>
+            <a:r>
+              <a:rPr lang="de-DE" i="1" baseline="30000" dirty="0" err="1" smtClean="0"/>
+              <a:t>T</a:t>
+            </a:r>
+            <a:r>
+              <a:rPr lang="de-DE" i="1" dirty="0" smtClean="0"/>
+              <a:t>*x + c </a:t>
+            </a:r>
+          </a:p>
+          <a:p>
+            <a:r>
+              <a:rPr lang="de-DE" dirty="0" err="1" smtClean="0"/>
+              <a:t>Minimizing</a:t>
+            </a:r>
+            <a:r>
+              <a:rPr lang="de-DE" dirty="0" smtClean="0"/>
+              <a:t> F(x) </a:t>
+            </a:r>
+            <a:r>
+              <a:rPr lang="de-DE" dirty="0" err="1" smtClean="0"/>
+              <a:t>gives</a:t>
+            </a:r>
+            <a:r>
+              <a:rPr lang="de-DE" dirty="0" smtClean="0"/>
+              <a:t>:</a:t>
+            </a:r>
+          </a:p>
+          <a:p>
+            <a:r>
+              <a:rPr lang="de-DE" dirty="0" smtClean="0"/>
+              <a:t>0 = </a:t>
+            </a:r>
+            <a:r>
+              <a:rPr lang="de-DE" i="1" dirty="0" err="1" smtClean="0"/>
+              <a:t>dy</a:t>
+            </a:r>
+            <a:r>
+              <a:rPr lang="de-DE" i="1" dirty="0" smtClean="0"/>
+              <a:t>/dx F(x) = A*x – b</a:t>
+            </a:r>
+          </a:p>
+          <a:p>
+            <a:r>
+              <a:rPr lang="de-DE" i="1" dirty="0" smtClean="0"/>
+              <a:t>A*x = b </a:t>
+            </a:r>
+            <a:r>
+              <a:rPr lang="de-DE" dirty="0" err="1" smtClean="0"/>
+              <a:t>is</a:t>
+            </a:r>
+            <a:r>
+              <a:rPr lang="de-DE" dirty="0" smtClean="0"/>
+              <a:t> a linear </a:t>
+            </a:r>
+            <a:r>
+              <a:rPr lang="de-DE" dirty="0" err="1" smtClean="0"/>
+              <a:t>system</a:t>
+            </a:r>
+            <a:r>
+              <a:rPr lang="de-DE" dirty="0" smtClean="0"/>
+              <a:t> </a:t>
+            </a:r>
+            <a:r>
+              <a:rPr lang="de-DE" dirty="0" err="1" smtClean="0"/>
+              <a:t>of</a:t>
+            </a:r>
+            <a:r>
+              <a:rPr lang="de-DE" dirty="0" smtClean="0"/>
+              <a:t> </a:t>
+            </a:r>
+            <a:r>
+              <a:rPr lang="de-DE" dirty="0" err="1" smtClean="0"/>
+              <a:t>equation</a:t>
+            </a:r>
+            <a:r>
+              <a:rPr lang="de-DE" dirty="0" smtClean="0"/>
+              <a:t>.</a:t>
+            </a:r>
+            <a:endParaRPr lang="de-DE" i="1" dirty="0" smtClean="0"/>
+          </a:p>
+          <a:p>
             <a:endParaRPr lang="de-DE" dirty="0"/>
           </a:p>
         </p:txBody>
@@ -8307,7 +10155,7 @@
     </p:spTree>
     <p:extLst>
       <p:ext uri="{BB962C8B-B14F-4D97-AF65-F5344CB8AC3E}">
-        <p14:creationId xmlns:p14="http://schemas.microsoft.com/office/powerpoint/2010/main" val="2467429919"/>
+        <p14:creationId xmlns:p14="http://schemas.microsoft.com/office/powerpoint/2010/main" val="1636610261"/>
       </p:ext>
     </p:extLst>
   </p:cSld>
@@ -8568,7 +10416,7 @@
   <a:extraClrSchemeLst/>
   <a:extLst>
     <a:ext uri="{05A4C25C-085E-4340-85A3-A5531E510DB2}">
-      <thm15:themeFamily xmlns:thm15="http://schemas.microsoft.com/office/thememl/2012/main" xmlns="" name="Facet" id="{C0C680CD-088A-49FC-A102-D699147F32B2}" vid="{CFBC31BA-B70F-4F30-BCAA-4F3011E16C4D}"/>
+      <thm15:themeFamily xmlns:thm15="http://schemas.microsoft.com/office/thememl/2012/main" name="Facet" id="{C0C680CD-088A-49FC-A102-D699147F32B2}" vid="{CFBC31BA-B70F-4F30-BCAA-4F3011E16C4D}"/>
     </a:ext>
   </a:extLst>
 </a:theme>
